--- a/EB Research/Poster/Poster.pptx
+++ b/EB Research/Poster/Poster.pptx
@@ -104,6 +104,11 @@
       </a:defRPr>
     </a:lvl9pPr>
   </p:defaultTextStyle>
+  <p:extLst>
+    <p:ext uri="{EFAFB233-063F-42B5-8137-9DF3F51BA10A}">
+      <p15:sldGuideLst xmlns:p15="http://schemas.microsoft.com/office/powerpoint/2012/main"/>
+    </p:ext>
+  </p:extLst>
 </p:presentation>
 </file>
 
@@ -238,7 +243,7 @@
           <a:p>
             <a:fld id="{578A3AA1-17D5-4A5B-8727-0DADDABDAB7D}" type="datetimeFigureOut">
               <a:rPr lang="en-US" smtClean="0"/>
-              <a:t>8/23/2021</a:t>
+              <a:t>8/23/21</a:t>
             </a:fld>
             <a:endParaRPr lang="en-US"/>
           </a:p>
@@ -408,7 +413,7 @@
           <a:p>
             <a:fld id="{578A3AA1-17D5-4A5B-8727-0DADDABDAB7D}" type="datetimeFigureOut">
               <a:rPr lang="en-US" smtClean="0"/>
-              <a:t>8/23/2021</a:t>
+              <a:t>8/23/21</a:t>
             </a:fld>
             <a:endParaRPr lang="en-US"/>
           </a:p>
@@ -588,7 +593,7 @@
           <a:p>
             <a:fld id="{578A3AA1-17D5-4A5B-8727-0DADDABDAB7D}" type="datetimeFigureOut">
               <a:rPr lang="en-US" smtClean="0"/>
-              <a:t>8/23/2021</a:t>
+              <a:t>8/23/21</a:t>
             </a:fld>
             <a:endParaRPr lang="en-US"/>
           </a:p>
@@ -758,7 +763,7 @@
           <a:p>
             <a:fld id="{578A3AA1-17D5-4A5B-8727-0DADDABDAB7D}" type="datetimeFigureOut">
               <a:rPr lang="en-US" smtClean="0"/>
-              <a:t>8/23/2021</a:t>
+              <a:t>8/23/21</a:t>
             </a:fld>
             <a:endParaRPr lang="en-US"/>
           </a:p>
@@ -1002,7 +1007,7 @@
           <a:p>
             <a:fld id="{578A3AA1-17D5-4A5B-8727-0DADDABDAB7D}" type="datetimeFigureOut">
               <a:rPr lang="en-US" smtClean="0"/>
-              <a:t>8/23/2021</a:t>
+              <a:t>8/23/21</a:t>
             </a:fld>
             <a:endParaRPr lang="en-US"/>
           </a:p>
@@ -1234,7 +1239,7 @@
           <a:p>
             <a:fld id="{578A3AA1-17D5-4A5B-8727-0DADDABDAB7D}" type="datetimeFigureOut">
               <a:rPr lang="en-US" smtClean="0"/>
-              <a:t>8/23/2021</a:t>
+              <a:t>8/23/21</a:t>
             </a:fld>
             <a:endParaRPr lang="en-US"/>
           </a:p>
@@ -1601,7 +1606,7 @@
           <a:p>
             <a:fld id="{578A3AA1-17D5-4A5B-8727-0DADDABDAB7D}" type="datetimeFigureOut">
               <a:rPr lang="en-US" smtClean="0"/>
-              <a:t>8/23/2021</a:t>
+              <a:t>8/23/21</a:t>
             </a:fld>
             <a:endParaRPr lang="en-US"/>
           </a:p>
@@ -1719,7 +1724,7 @@
           <a:p>
             <a:fld id="{578A3AA1-17D5-4A5B-8727-0DADDABDAB7D}" type="datetimeFigureOut">
               <a:rPr lang="en-US" smtClean="0"/>
-              <a:t>8/23/2021</a:t>
+              <a:t>8/23/21</a:t>
             </a:fld>
             <a:endParaRPr lang="en-US"/>
           </a:p>
@@ -1814,7 +1819,7 @@
           <a:p>
             <a:fld id="{578A3AA1-17D5-4A5B-8727-0DADDABDAB7D}" type="datetimeFigureOut">
               <a:rPr lang="en-US" smtClean="0"/>
-              <a:t>8/23/2021</a:t>
+              <a:t>8/23/21</a:t>
             </a:fld>
             <a:endParaRPr lang="en-US"/>
           </a:p>
@@ -2091,7 +2096,7 @@
           <a:p>
             <a:fld id="{578A3AA1-17D5-4A5B-8727-0DADDABDAB7D}" type="datetimeFigureOut">
               <a:rPr lang="en-US" smtClean="0"/>
-              <a:t>8/23/2021</a:t>
+              <a:t>8/23/21</a:t>
             </a:fld>
             <a:endParaRPr lang="en-US"/>
           </a:p>
@@ -2348,7 +2353,7 @@
           <a:p>
             <a:fld id="{578A3AA1-17D5-4A5B-8727-0DADDABDAB7D}" type="datetimeFigureOut">
               <a:rPr lang="en-US" smtClean="0"/>
-              <a:t>8/23/2021</a:t>
+              <a:t>8/23/21</a:t>
             </a:fld>
             <a:endParaRPr lang="en-US"/>
           </a:p>
@@ -2561,7 +2566,7 @@
           <a:p>
             <a:fld id="{578A3AA1-17D5-4A5B-8727-0DADDABDAB7D}" type="datetimeFigureOut">
               <a:rPr lang="en-US" smtClean="0"/>
-              <a:t>8/23/2021</a:t>
+              <a:t>8/23/21</a:t>
             </a:fld>
             <a:endParaRPr lang="en-US"/>
           </a:p>
@@ -2984,8 +2989,8 @@
         </p:nvSpPr>
         <p:spPr>
           <a:xfrm>
-            <a:off x="0" y="0"/>
-            <a:ext cx="43891200" cy="4568736"/>
+            <a:off x="5459224" y="0"/>
+            <a:ext cx="38431975" cy="4568736"/>
           </a:xfrm>
         </p:spPr>
         <p:txBody>
@@ -2998,7 +3003,29 @@
               <a:rPr lang="en-US" sz="8600" dirty="0">
                 <a:latin typeface="Montserrat" panose="00000500000000000000" pitchFamily="2" charset="0"/>
               </a:rPr>
-              <a:t>Eric Botti and Dr Ramsey – Invariant Measure Theory and Linear Approximations of Lyapunov Fractals</a:t>
+              <a:t>Invariant Measure Theory and Linear Approximations of Lyapunov Fractals</a:t>
+            </a:r>
+            <a:br>
+              <a:rPr lang="en-US" sz="8600" dirty="0">
+                <a:latin typeface="Montserrat" panose="00000500000000000000" pitchFamily="2" charset="0"/>
+              </a:rPr>
+            </a:br>
+            <a:r>
+              <a:rPr lang="en-US" sz="8600" dirty="0">
+                <a:latin typeface="Montserrat" panose="00000500000000000000" pitchFamily="2" charset="0"/>
+              </a:rPr>
+              <a:t>Eric Botti and Shaun D. Ramsey, Ph.D.</a:t>
+            </a:r>
+            <a:br>
+              <a:rPr lang="en-US" sz="8600" dirty="0">
+                <a:latin typeface="Montserrat" panose="00000500000000000000" pitchFamily="2" charset="0"/>
+              </a:rPr>
+            </a:br>
+            <a:r>
+              <a:rPr lang="en-US" sz="8600" dirty="0">
+                <a:latin typeface="Montserrat" panose="00000500000000000000" pitchFamily="2" charset="0"/>
+              </a:rPr>
+              <a:t>Department of Mathematics and Computer Science at Washington College</a:t>
             </a:r>
           </a:p>
         </p:txBody>
@@ -3017,8 +3044,8 @@
         </p:nvSpPr>
         <p:spPr>
           <a:xfrm>
-            <a:off x="1572939" y="4857813"/>
-            <a:ext cx="12534947" cy="6186309"/>
+            <a:off x="1268134" y="5138995"/>
+            <a:ext cx="11787465" cy="13942278"/>
           </a:xfrm>
           <a:prstGeom prst="rect">
             <a:avLst/>
@@ -3033,7 +3060,7 @@
           <a:p>
             <a:pPr algn="l" fontAlgn="base"/>
             <a:r>
-              <a:rPr lang="en-US" sz="3600" b="0" i="0" dirty="0">
+              <a:rPr lang="en-US" sz="4800" b="1" i="0" dirty="0">
                 <a:solidFill>
                   <a:srgbClr val="000000"/>
                 </a:solidFill>
@@ -3044,11 +3071,31 @@
               </a:rPr>
               <a:t>Abstract</a:t>
             </a:r>
-          </a:p>
-          <a:p>
-            <a:pPr algn="l" fontAlgn="base"/>
-            <a:r>
-              <a:rPr lang="en-US" sz="2400" b="0" i="0" dirty="0">
+            <a:br>
+              <a:rPr lang="en-US" sz="4800" b="0" i="0" dirty="0">
+                <a:solidFill>
+                  <a:srgbClr val="000000"/>
+                </a:solidFill>
+                <a:effectLst/>
+                <a:latin typeface="Montserrat" panose="00000500000000000000" pitchFamily="2" charset="0"/>
+                <a:ea typeface="Open Sans" panose="020B0604020202020204" pitchFamily="34" charset="0"/>
+                <a:cs typeface="Open Sans" panose="020B0604020202020204" pitchFamily="34" charset="0"/>
+              </a:rPr>
+            </a:br>
+            <a:endParaRPr lang="en-US" sz="4800" b="0" i="0" dirty="0">
+              <a:solidFill>
+                <a:srgbClr val="000000"/>
+              </a:solidFill>
+              <a:effectLst/>
+              <a:latin typeface="Montserrat" panose="00000500000000000000" pitchFamily="2" charset="0"/>
+              <a:ea typeface="Open Sans" panose="020B0604020202020204" pitchFamily="34" charset="0"/>
+              <a:cs typeface="Open Sans" panose="020B0604020202020204" pitchFamily="34" charset="0"/>
+            </a:endParaRPr>
+          </a:p>
+          <a:p>
+            <a:pPr fontAlgn="base"/>
+            <a:r>
+              <a:rPr lang="en-US" sz="3600" b="0" i="0" dirty="0">
                 <a:solidFill>
                   <a:srgbClr val="000000"/>
                 </a:solidFill>
@@ -3057,10 +3104,33 @@
                 <a:ea typeface="Open Sans" panose="020B0604020202020204" pitchFamily="34" charset="0"/>
                 <a:cs typeface="Open Sans" panose="020B0604020202020204" pitchFamily="34" charset="0"/>
               </a:rPr>
-              <a:t>Actuators, sensors, and computational components may be controlled intermittently in time and, thus, inconsistently perform any given operation. The inconsistencies in control operation directly influence the time domain of the control system. Previously, it was shown that chaos can be introduced into a system by changing only the time domain. Previously it was also shown that chaos exists in stochastic time domains in the same system. Can chaos be appropriately predicted by estimating the controlling system via linear approximation and an assumption of invariant weights across the domain? We answer this question in the affirmative. Using this technique, computation of a traditional Lyapunov fractal, </a:t>
-            </a:r>
-            <a:r>
-              <a:rPr lang="en-US" sz="2400" b="0" i="0" dirty="0" err="1">
+              <a:t>Actuators, sensors, and computational components may be controlled intermittently in time and, thus, inconsistently perform any given operation. The inconsistencies in control operation directly influence the time domain of the control system. Previously, it was shown that chaos can be introduced into a system by changing only the time domain. Previously it was also that chaos exists in stochastic time domains in the same system. Can chaos be </a:t>
+            </a:r>
+            <a:r>
+              <a:rPr lang="en-US" sz="3600" dirty="0">
+                <a:solidFill>
+                  <a:srgbClr val="000000"/>
+                </a:solidFill>
+                <a:latin typeface="Open Sans" panose="020B0604020202020204" pitchFamily="34" charset="0"/>
+                <a:ea typeface="Open Sans" panose="020B0604020202020204" pitchFamily="34" charset="0"/>
+                <a:cs typeface="Open Sans" panose="020B0604020202020204" pitchFamily="34" charset="0"/>
+              </a:rPr>
+              <a:t>appropriately </a:t>
+            </a:r>
+            <a:r>
+              <a:rPr lang="en-US" sz="3600" b="0" i="0" dirty="0">
+                <a:solidFill>
+                  <a:srgbClr val="000000"/>
+                </a:solidFill>
+                <a:effectLst/>
+                <a:latin typeface="Open Sans" panose="020B0604020202020204" pitchFamily="34" charset="0"/>
+                <a:ea typeface="Open Sans" panose="020B0604020202020204" pitchFamily="34" charset="0"/>
+                <a:cs typeface="Open Sans" panose="020B0604020202020204" pitchFamily="34" charset="0"/>
+              </a:rPr>
+              <a:t>predicted by estimating the controlling system via linear approximation and an assumption of invariant weights across the domain? We answer this question in the affirmative. Using this technique, computation of a traditional Lyapunov fractal, </a:t>
+            </a:r>
+            <a:r>
+              <a:rPr lang="en-US" sz="3600" b="0" i="0" dirty="0" err="1">
                 <a:solidFill>
                   <a:srgbClr val="000000"/>
                 </a:solidFill>
@@ -3072,7 +3142,7 @@
               <a:t>SuPeR</a:t>
             </a:r>
             <a:r>
-              <a:rPr lang="en-US" sz="2400" b="0" i="0" dirty="0">
+              <a:rPr lang="en-US" sz="3600" b="0" i="0" dirty="0">
                 <a:solidFill>
                   <a:srgbClr val="000000"/>
                 </a:solidFill>
@@ -3118,7 +3188,7 @@
         </p:nvGrpSpPr>
         <p:grpSpPr>
           <a:xfrm>
-            <a:off x="14801447" y="4782499"/>
+            <a:off x="13823842" y="23582244"/>
             <a:ext cx="27516814" cy="8126086"/>
             <a:chOff x="18008270" y="6208637"/>
             <a:chExt cx="25282489" cy="7466260"/>
@@ -3279,7 +3349,7 @@
         </p:nvGrpSpPr>
         <p:grpSpPr>
           <a:xfrm>
-            <a:off x="0" y="12777955"/>
+            <a:off x="13823842" y="15148266"/>
             <a:ext cx="17625396" cy="8131960"/>
             <a:chOff x="27255744" y="15940297"/>
             <a:chExt cx="17625396" cy="8131960"/>
@@ -3372,7 +3442,7 @@
         </p:nvGrpSpPr>
         <p:grpSpPr>
           <a:xfrm>
-            <a:off x="416853" y="21735651"/>
+            <a:off x="13823842" y="6495637"/>
             <a:ext cx="17625396" cy="8126984"/>
             <a:chOff x="6017553" y="15946149"/>
             <a:chExt cx="17625396" cy="8126984"/>
@@ -3451,6 +3521,320 @@
           </p:spPr>
         </p:pic>
       </p:grpSp>
+      <p:sp>
+        <p:nvSpPr>
+          <p:cNvPr id="5" name="TextBox 4">
+            <a:extLst>
+              <a:ext uri="{FF2B5EF4-FFF2-40B4-BE49-F238E27FC236}">
+                <a16:creationId xmlns:a16="http://schemas.microsoft.com/office/drawing/2014/main" id="{7B5C07C6-C3EC-0340-B4F3-0218A8CFBE48}"/>
+              </a:ext>
+            </a:extLst>
+          </p:cNvPr>
+          <p:cNvSpPr txBox="1"/>
+          <p:nvPr/>
+        </p:nvSpPr>
+        <p:spPr>
+          <a:xfrm>
+            <a:off x="14107886" y="5138995"/>
+            <a:ext cx="17625396" cy="830997"/>
+          </a:xfrm>
+          <a:prstGeom prst="rect">
+            <a:avLst/>
+          </a:prstGeom>
+          <a:noFill/>
+        </p:spPr>
+        <p:txBody>
+          <a:bodyPr wrap="square" rtlCol="0">
+            <a:spAutoFit/>
+          </a:bodyPr>
+          <a:lstStyle/>
+          <a:p>
+            <a:r>
+              <a:rPr lang="en-US" sz="4800" b="1" dirty="0"/>
+              <a:t>Building a Fractal Iteratively – Cobweb Plots and Bifurcation Plots</a:t>
+            </a:r>
+          </a:p>
+        </p:txBody>
+      </p:sp>
+      <p:pic>
+        <p:nvPicPr>
+          <p:cNvPr id="11" name="Picture 10">
+            <a:extLst>
+              <a:ext uri="{FF2B5EF4-FFF2-40B4-BE49-F238E27FC236}">
+                <a16:creationId xmlns:a16="http://schemas.microsoft.com/office/drawing/2014/main" id="{F8D6781E-E8BD-824B-BBDD-5C10C1926336}"/>
+              </a:ext>
+            </a:extLst>
+          </p:cNvPr>
+          <p:cNvPicPr>
+            <a:picLocks noChangeAspect="1"/>
+          </p:cNvPicPr>
+          <p:nvPr/>
+        </p:nvPicPr>
+        <p:blipFill>
+          <a:blip r:embed="rId10">
+            <a:extLst>
+              <a:ext uri="{28A0092B-C50C-407E-A947-70E740481C1C}">
+                <a14:useLocalDpi xmlns:a14="http://schemas.microsoft.com/office/drawing/2010/main" val="0"/>
+              </a:ext>
+            </a:extLst>
+          </a:blip>
+          <a:stretch>
+            <a:fillRect/>
+          </a:stretch>
+        </p:blipFill>
+        <p:spPr>
+          <a:xfrm>
+            <a:off x="887225" y="274753"/>
+            <a:ext cx="4572000" cy="4572000"/>
+          </a:xfrm>
+          <a:prstGeom prst="rect">
+            <a:avLst/>
+          </a:prstGeom>
+        </p:spPr>
+      </p:pic>
+      <p:sp>
+        <p:nvSpPr>
+          <p:cNvPr id="13" name="TextBox 12">
+            <a:extLst>
+              <a:ext uri="{FF2B5EF4-FFF2-40B4-BE49-F238E27FC236}">
+                <a16:creationId xmlns:a16="http://schemas.microsoft.com/office/drawing/2014/main" id="{80575815-6682-F54F-A5E9-8E98D5CBA430}"/>
+              </a:ext>
+            </a:extLst>
+          </p:cNvPr>
+          <p:cNvSpPr txBox="1"/>
+          <p:nvPr/>
+        </p:nvSpPr>
+        <p:spPr>
+          <a:xfrm>
+            <a:off x="1268134" y="19320088"/>
+            <a:ext cx="11787466" cy="1938992"/>
+          </a:xfrm>
+          <a:prstGeom prst="rect">
+            <a:avLst/>
+          </a:prstGeom>
+          <a:noFill/>
+        </p:spPr>
+        <p:txBody>
+          <a:bodyPr wrap="square" rtlCol="0">
+            <a:spAutoFit/>
+          </a:bodyPr>
+          <a:lstStyle/>
+          <a:p>
+            <a:r>
+              <a:rPr lang="en-US" sz="4800" b="1" dirty="0"/>
+              <a:t>The Logistic Equation</a:t>
+            </a:r>
+            <a:br>
+              <a:rPr lang="en-US" sz="4800" b="1" dirty="0"/>
+            </a:br>
+            <a:br>
+              <a:rPr lang="en-US" sz="3600" b="1" dirty="0">
+                <a:latin typeface=""/>
+              </a:rPr>
+            </a:br>
+            <a:r>
+              <a:rPr lang="en-US" sz="3600" b="1" dirty="0">
+                <a:latin typeface=""/>
+              </a:rPr>
+              <a:t>- </a:t>
+            </a:r>
+            <a:r>
+              <a:rPr lang="en-US" sz="3600" dirty="0">
+                <a:latin typeface=""/>
+              </a:rPr>
+              <a:t>Describe it, where its used</a:t>
+            </a:r>
+            <a:endParaRPr lang="en-US" sz="3600" b="1" dirty="0">
+              <a:latin typeface=""/>
+            </a:endParaRPr>
+          </a:p>
+        </p:txBody>
+      </p:sp>
+      <p:sp>
+        <p:nvSpPr>
+          <p:cNvPr id="19" name="TextBox 18">
+            <a:extLst>
+              <a:ext uri="{FF2B5EF4-FFF2-40B4-BE49-F238E27FC236}">
+                <a16:creationId xmlns:a16="http://schemas.microsoft.com/office/drawing/2014/main" id="{C3B1A2A6-D44D-F243-BA18-4C51E3DFC039}"/>
+              </a:ext>
+            </a:extLst>
+          </p:cNvPr>
+          <p:cNvSpPr txBox="1"/>
+          <p:nvPr/>
+        </p:nvSpPr>
+        <p:spPr>
+          <a:xfrm>
+            <a:off x="1268132" y="22824143"/>
+            <a:ext cx="11787467" cy="1938992"/>
+          </a:xfrm>
+          <a:prstGeom prst="rect">
+            <a:avLst/>
+          </a:prstGeom>
+          <a:noFill/>
+        </p:spPr>
+        <p:txBody>
+          <a:bodyPr wrap="square" rtlCol="0">
+            <a:spAutoFit/>
+          </a:bodyPr>
+          <a:lstStyle/>
+          <a:p>
+            <a:r>
+              <a:rPr lang="en-US" sz="4800" b="1" dirty="0"/>
+              <a:t>The Lyapunov Exponent and Chaos</a:t>
+            </a:r>
+            <a:br>
+              <a:rPr lang="en-US" sz="2800" b="1" dirty="0"/>
+            </a:br>
+            <a:br>
+              <a:rPr lang="en-US" sz="3600" b="1" dirty="0">
+                <a:latin typeface=""/>
+              </a:rPr>
+            </a:br>
+            <a:r>
+              <a:rPr lang="en-US" sz="3600" b="1" dirty="0">
+                <a:latin typeface=""/>
+              </a:rPr>
+              <a:t>- </a:t>
+            </a:r>
+            <a:r>
+              <a:rPr lang="en-US" sz="3600" dirty="0">
+                <a:latin typeface=""/>
+              </a:rPr>
+              <a:t>Describe it, Describe Chaos, Why do we care?</a:t>
+            </a:r>
+            <a:endParaRPr lang="en-US" sz="3600" b="1" dirty="0">
+              <a:latin typeface=""/>
+            </a:endParaRPr>
+          </a:p>
+        </p:txBody>
+      </p:sp>
+      <p:sp>
+        <p:nvSpPr>
+          <p:cNvPr id="23" name="TextBox 22">
+            <a:extLst>
+              <a:ext uri="{FF2B5EF4-FFF2-40B4-BE49-F238E27FC236}">
+                <a16:creationId xmlns:a16="http://schemas.microsoft.com/office/drawing/2014/main" id="{8EF0CB88-5B2E-8241-8965-EAA96625155F}"/>
+              </a:ext>
+            </a:extLst>
+          </p:cNvPr>
+          <p:cNvSpPr txBox="1"/>
+          <p:nvPr/>
+        </p:nvSpPr>
+        <p:spPr>
+          <a:xfrm>
+            <a:off x="32259866" y="15148266"/>
+            <a:ext cx="10363200" cy="3046988"/>
+          </a:xfrm>
+          <a:prstGeom prst="rect">
+            <a:avLst/>
+          </a:prstGeom>
+          <a:noFill/>
+        </p:spPr>
+        <p:txBody>
+          <a:bodyPr wrap="square" rtlCol="0">
+            <a:spAutoFit/>
+          </a:bodyPr>
+          <a:lstStyle/>
+          <a:p>
+            <a:r>
+              <a:rPr lang="en-US" sz="4800" b="1" dirty="0"/>
+              <a:t>Future Work</a:t>
+            </a:r>
+            <a:br>
+              <a:rPr lang="en-US" sz="4800" b="1" dirty="0"/>
+            </a:br>
+            <a:endParaRPr lang="en-US" sz="3600" b="1" dirty="0">
+              <a:latin typeface=""/>
+            </a:endParaRPr>
+          </a:p>
+          <a:p>
+            <a:pPr marL="571500" indent="-571500">
+              <a:buFontTx/>
+              <a:buChar char="-"/>
+            </a:pPr>
+            <a:r>
+              <a:rPr lang="en-US" sz="3600" dirty="0">
+                <a:latin typeface=""/>
+              </a:rPr>
+              <a:t>Linear Approximations</a:t>
+            </a:r>
+          </a:p>
+          <a:p>
+            <a:pPr marL="571500" indent="-571500">
+              <a:buFontTx/>
+              <a:buChar char="-"/>
+            </a:pPr>
+            <a:r>
+              <a:rPr lang="en-US" sz="3600" dirty="0">
+                <a:latin typeface=""/>
+              </a:rPr>
+              <a:t>Proof of Convergence</a:t>
+            </a:r>
+          </a:p>
+          <a:p>
+            <a:pPr marL="571500" indent="-571500">
+              <a:buFontTx/>
+              <a:buChar char="-"/>
+            </a:pPr>
+            <a:r>
+              <a:rPr lang="en-US" sz="3600" dirty="0">
+                <a:latin typeface=""/>
+              </a:rPr>
+              <a:t>Linear Operators</a:t>
+            </a:r>
+          </a:p>
+        </p:txBody>
+      </p:sp>
+      <p:sp>
+        <p:nvSpPr>
+          <p:cNvPr id="28" name="TextBox 27">
+            <a:extLst>
+              <a:ext uri="{FF2B5EF4-FFF2-40B4-BE49-F238E27FC236}">
+                <a16:creationId xmlns:a16="http://schemas.microsoft.com/office/drawing/2014/main" id="{952FEA8B-9576-F844-855B-4525E8639965}"/>
+              </a:ext>
+            </a:extLst>
+          </p:cNvPr>
+          <p:cNvSpPr txBox="1"/>
+          <p:nvPr/>
+        </p:nvSpPr>
+        <p:spPr>
+          <a:xfrm>
+            <a:off x="32259866" y="6499294"/>
+            <a:ext cx="10655591" cy="3970318"/>
+          </a:xfrm>
+          <a:prstGeom prst="rect">
+            <a:avLst/>
+          </a:prstGeom>
+          <a:noFill/>
+        </p:spPr>
+        <p:txBody>
+          <a:bodyPr wrap="square" rtlCol="0">
+            <a:spAutoFit/>
+          </a:bodyPr>
+          <a:lstStyle/>
+          <a:p>
+            <a:r>
+              <a:rPr lang="en-US" sz="4800" b="1" dirty="0"/>
+              <a:t>Piecewise Linear Approximations with Invariant Measures</a:t>
+            </a:r>
+            <a:br>
+              <a:rPr lang="en-US" sz="4800" b="1" dirty="0"/>
+            </a:br>
+            <a:br>
+              <a:rPr lang="en-US" sz="4800" b="1" dirty="0"/>
+            </a:br>
+            <a:r>
+              <a:rPr lang="en-US" sz="3600" dirty="0"/>
+              <a:t>- solving using a system of equations generated f</a:t>
+            </a:r>
+            <a:r>
+              <a:rPr lang="en-US" sz="3600" b="1" dirty="0"/>
+              <a:t>rom the piecewise linear approximation of the logistic curve.</a:t>
+            </a:r>
+            <a:endParaRPr lang="en-US" sz="4800" b="1" dirty="0"/>
+          </a:p>
+        </p:txBody>
+      </p:sp>
     </p:spTree>
     <p:extLst>
       <p:ext uri="{BB962C8B-B14F-4D97-AF65-F5344CB8AC3E}">

--- a/EB Research/Poster/Poster.pptx
+++ b/EB Research/Poster/Poster.pptx
@@ -243,7 +243,7 @@
           <a:p>
             <a:fld id="{578A3AA1-17D5-4A5B-8727-0DADDABDAB7D}" type="datetimeFigureOut">
               <a:rPr lang="en-US" smtClean="0"/>
-              <a:t>8/23/21</a:t>
+              <a:t>9/5/2021</a:t>
             </a:fld>
             <a:endParaRPr lang="en-US"/>
           </a:p>
@@ -413,7 +413,7 @@
           <a:p>
             <a:fld id="{578A3AA1-17D5-4A5B-8727-0DADDABDAB7D}" type="datetimeFigureOut">
               <a:rPr lang="en-US" smtClean="0"/>
-              <a:t>8/23/21</a:t>
+              <a:t>9/5/2021</a:t>
             </a:fld>
             <a:endParaRPr lang="en-US"/>
           </a:p>
@@ -593,7 +593,7 @@
           <a:p>
             <a:fld id="{578A3AA1-17D5-4A5B-8727-0DADDABDAB7D}" type="datetimeFigureOut">
               <a:rPr lang="en-US" smtClean="0"/>
-              <a:t>8/23/21</a:t>
+              <a:t>9/5/2021</a:t>
             </a:fld>
             <a:endParaRPr lang="en-US"/>
           </a:p>
@@ -763,7 +763,7 @@
           <a:p>
             <a:fld id="{578A3AA1-17D5-4A5B-8727-0DADDABDAB7D}" type="datetimeFigureOut">
               <a:rPr lang="en-US" smtClean="0"/>
-              <a:t>8/23/21</a:t>
+              <a:t>9/5/2021</a:t>
             </a:fld>
             <a:endParaRPr lang="en-US"/>
           </a:p>
@@ -1007,7 +1007,7 @@
           <a:p>
             <a:fld id="{578A3AA1-17D5-4A5B-8727-0DADDABDAB7D}" type="datetimeFigureOut">
               <a:rPr lang="en-US" smtClean="0"/>
-              <a:t>8/23/21</a:t>
+              <a:t>9/5/2021</a:t>
             </a:fld>
             <a:endParaRPr lang="en-US"/>
           </a:p>
@@ -1239,7 +1239,7 @@
           <a:p>
             <a:fld id="{578A3AA1-17D5-4A5B-8727-0DADDABDAB7D}" type="datetimeFigureOut">
               <a:rPr lang="en-US" smtClean="0"/>
-              <a:t>8/23/21</a:t>
+              <a:t>9/5/2021</a:t>
             </a:fld>
             <a:endParaRPr lang="en-US"/>
           </a:p>
@@ -1606,7 +1606,7 @@
           <a:p>
             <a:fld id="{578A3AA1-17D5-4A5B-8727-0DADDABDAB7D}" type="datetimeFigureOut">
               <a:rPr lang="en-US" smtClean="0"/>
-              <a:t>8/23/21</a:t>
+              <a:t>9/5/2021</a:t>
             </a:fld>
             <a:endParaRPr lang="en-US"/>
           </a:p>
@@ -1724,7 +1724,7 @@
           <a:p>
             <a:fld id="{578A3AA1-17D5-4A5B-8727-0DADDABDAB7D}" type="datetimeFigureOut">
               <a:rPr lang="en-US" smtClean="0"/>
-              <a:t>8/23/21</a:t>
+              <a:t>9/5/2021</a:t>
             </a:fld>
             <a:endParaRPr lang="en-US"/>
           </a:p>
@@ -1819,7 +1819,7 @@
           <a:p>
             <a:fld id="{578A3AA1-17D5-4A5B-8727-0DADDABDAB7D}" type="datetimeFigureOut">
               <a:rPr lang="en-US" smtClean="0"/>
-              <a:t>8/23/21</a:t>
+              <a:t>9/5/2021</a:t>
             </a:fld>
             <a:endParaRPr lang="en-US"/>
           </a:p>
@@ -2096,7 +2096,7 @@
           <a:p>
             <a:fld id="{578A3AA1-17D5-4A5B-8727-0DADDABDAB7D}" type="datetimeFigureOut">
               <a:rPr lang="en-US" smtClean="0"/>
-              <a:t>8/23/21</a:t>
+              <a:t>9/5/2021</a:t>
             </a:fld>
             <a:endParaRPr lang="en-US"/>
           </a:p>
@@ -2353,7 +2353,7 @@
           <a:p>
             <a:fld id="{578A3AA1-17D5-4A5B-8727-0DADDABDAB7D}" type="datetimeFigureOut">
               <a:rPr lang="en-US" smtClean="0"/>
-              <a:t>8/23/21</a:t>
+              <a:t>9/5/2021</a:t>
             </a:fld>
             <a:endParaRPr lang="en-US"/>
           </a:p>
@@ -2566,7 +2566,7 @@
           <a:p>
             <a:fld id="{578A3AA1-17D5-4A5B-8727-0DADDABDAB7D}" type="datetimeFigureOut">
               <a:rPr lang="en-US" smtClean="0"/>
-              <a:t>8/23/21</a:t>
+              <a:t>9/5/2021</a:t>
             </a:fld>
             <a:endParaRPr lang="en-US"/>
           </a:p>
@@ -3044,8 +3044,8 @@
         </p:nvSpPr>
         <p:spPr>
           <a:xfrm>
-            <a:off x="1268134" y="5138995"/>
-            <a:ext cx="11787465" cy="13942278"/>
+            <a:off x="1268131" y="7040767"/>
+            <a:ext cx="11787465" cy="11726287"/>
           </a:xfrm>
           <a:prstGeom prst="rect">
             <a:avLst/>
@@ -3057,41 +3057,6 @@
             <a:spAutoFit/>
           </a:bodyPr>
           <a:lstStyle/>
-          <a:p>
-            <a:pPr algn="l" fontAlgn="base"/>
-            <a:r>
-              <a:rPr lang="en-US" sz="4800" b="1" i="0" dirty="0">
-                <a:solidFill>
-                  <a:srgbClr val="000000"/>
-                </a:solidFill>
-                <a:effectLst/>
-                <a:latin typeface="Montserrat" panose="00000500000000000000" pitchFamily="2" charset="0"/>
-                <a:ea typeface="Open Sans" panose="020B0604020202020204" pitchFamily="34" charset="0"/>
-                <a:cs typeface="Open Sans" panose="020B0604020202020204" pitchFamily="34" charset="0"/>
-              </a:rPr>
-              <a:t>Abstract</a:t>
-            </a:r>
-            <a:br>
-              <a:rPr lang="en-US" sz="4800" b="0" i="0" dirty="0">
-                <a:solidFill>
-                  <a:srgbClr val="000000"/>
-                </a:solidFill>
-                <a:effectLst/>
-                <a:latin typeface="Montserrat" panose="00000500000000000000" pitchFamily="2" charset="0"/>
-                <a:ea typeface="Open Sans" panose="020B0604020202020204" pitchFamily="34" charset="0"/>
-                <a:cs typeface="Open Sans" panose="020B0604020202020204" pitchFamily="34" charset="0"/>
-              </a:rPr>
-            </a:br>
-            <a:endParaRPr lang="en-US" sz="4800" b="0" i="0" dirty="0">
-              <a:solidFill>
-                <a:srgbClr val="000000"/>
-              </a:solidFill>
-              <a:effectLst/>
-              <a:latin typeface="Montserrat" panose="00000500000000000000" pitchFamily="2" charset="0"/>
-              <a:ea typeface="Open Sans" panose="020B0604020202020204" pitchFamily="34" charset="0"/>
-              <a:cs typeface="Open Sans" panose="020B0604020202020204" pitchFamily="34" charset="0"/>
-            </a:endParaRPr>
-          </a:p>
           <a:p>
             <a:pPr fontAlgn="base"/>
             <a:r>
@@ -3153,24 +3118,6 @@
               </a:rPr>
               <a:t> fractal, or any iterative fractal, no longer involves iterating over the deterministic steps in the time series, but can be estimated by linearly approximating the underlying continuous system using a system of linear equations. We show, via experiment, that in the limit, this estimation is equivalent to the iterative method.</a:t>
             </a:r>
-          </a:p>
-          <a:p>
-            <a:br>
-              <a:rPr lang="en-US" sz="2400" b="0" i="0" dirty="0">
-                <a:solidFill>
-                  <a:srgbClr val="000000"/>
-                </a:solidFill>
-                <a:effectLst/>
-                <a:latin typeface="Open Sans" panose="020B0604020202020204" pitchFamily="34" charset="0"/>
-                <a:ea typeface="Open Sans" panose="020B0604020202020204" pitchFamily="34" charset="0"/>
-                <a:cs typeface="Open Sans" panose="020B0604020202020204" pitchFamily="34" charset="0"/>
-              </a:rPr>
-            </a:br>
-            <a:endParaRPr lang="en-US" sz="2400" dirty="0">
-              <a:latin typeface="Open Sans" panose="020B0604020202020204" pitchFamily="34" charset="0"/>
-              <a:ea typeface="Open Sans" panose="020B0604020202020204" pitchFamily="34" charset="0"/>
-              <a:cs typeface="Open Sans" panose="020B0604020202020204" pitchFamily="34" charset="0"/>
-            </a:endParaRPr>
           </a:p>
         </p:txBody>
       </p:sp>
@@ -3188,7 +3135,7 @@
         </p:nvGrpSpPr>
         <p:grpSpPr>
           <a:xfrm>
-            <a:off x="13823842" y="23582244"/>
+            <a:off x="13823842" y="24062578"/>
             <a:ext cx="27516814" cy="8126086"/>
             <a:chOff x="18008270" y="6208637"/>
             <a:chExt cx="25282489" cy="7466260"/>
@@ -3521,41 +3468,6 @@
           </p:spPr>
         </p:pic>
       </p:grpSp>
-      <p:sp>
-        <p:nvSpPr>
-          <p:cNvPr id="5" name="TextBox 4">
-            <a:extLst>
-              <a:ext uri="{FF2B5EF4-FFF2-40B4-BE49-F238E27FC236}">
-                <a16:creationId xmlns:a16="http://schemas.microsoft.com/office/drawing/2014/main" id="{7B5C07C6-C3EC-0340-B4F3-0218A8CFBE48}"/>
-              </a:ext>
-            </a:extLst>
-          </p:cNvPr>
-          <p:cNvSpPr txBox="1"/>
-          <p:nvPr/>
-        </p:nvSpPr>
-        <p:spPr>
-          <a:xfrm>
-            <a:off x="14107886" y="5138995"/>
-            <a:ext cx="17625396" cy="830997"/>
-          </a:xfrm>
-          <a:prstGeom prst="rect">
-            <a:avLst/>
-          </a:prstGeom>
-          <a:noFill/>
-        </p:spPr>
-        <p:txBody>
-          <a:bodyPr wrap="square" rtlCol="0">
-            <a:spAutoFit/>
-          </a:bodyPr>
-          <a:lstStyle/>
-          <a:p>
-            <a:r>
-              <a:rPr lang="en-US" sz="4800" b="1" dirty="0"/>
-              <a:t>Building a Fractal Iteratively – Cobweb Plots and Bifurcation Plots</a:t>
-            </a:r>
-          </a:p>
-        </p:txBody>
-      </p:sp>
       <p:pic>
         <p:nvPicPr>
           <p:cNvPr id="11" name="Picture 10">
@@ -3592,122 +3504,805 @@
           </a:prstGeom>
         </p:spPr>
       </p:pic>
-      <p:sp>
-        <p:nvSpPr>
-          <p:cNvPr id="13" name="TextBox 12">
-            <a:extLst>
-              <a:ext uri="{FF2B5EF4-FFF2-40B4-BE49-F238E27FC236}">
-                <a16:creationId xmlns:a16="http://schemas.microsoft.com/office/drawing/2014/main" id="{80575815-6682-F54F-A5E9-8E98D5CBA430}"/>
-              </a:ext>
-            </a:extLst>
-          </p:cNvPr>
-          <p:cNvSpPr txBox="1"/>
-          <p:nvPr/>
-        </p:nvSpPr>
-        <p:spPr>
-          <a:xfrm>
-            <a:off x="1268134" y="19320088"/>
-            <a:ext cx="11787466" cy="1938992"/>
-          </a:xfrm>
-          <a:prstGeom prst="rect">
-            <a:avLst/>
-          </a:prstGeom>
-          <a:noFill/>
-        </p:spPr>
-        <p:txBody>
-          <a:bodyPr wrap="square" rtlCol="0">
-            <a:spAutoFit/>
-          </a:bodyPr>
-          <a:lstStyle/>
-          <a:p>
-            <a:r>
-              <a:rPr lang="en-US" sz="4800" b="1" dirty="0"/>
-              <a:t>The Logistic Equation</a:t>
-            </a:r>
-            <a:br>
-              <a:rPr lang="en-US" sz="4800" b="1" dirty="0"/>
-            </a:br>
-            <a:br>
-              <a:rPr lang="en-US" sz="3600" b="1" dirty="0">
-                <a:latin typeface=""/>
-              </a:rPr>
-            </a:br>
-            <a:r>
-              <a:rPr lang="en-US" sz="3600" b="1" dirty="0">
-                <a:latin typeface=""/>
-              </a:rPr>
-              <a:t>- </a:t>
-            </a:r>
-            <a:r>
-              <a:rPr lang="en-US" sz="3600" dirty="0">
-                <a:latin typeface=""/>
-              </a:rPr>
-              <a:t>Describe it, where its used</a:t>
-            </a:r>
-            <a:endParaRPr lang="en-US" sz="3600" b="1" dirty="0">
-              <a:latin typeface=""/>
-            </a:endParaRPr>
-          </a:p>
-        </p:txBody>
-      </p:sp>
-      <p:sp>
-        <p:nvSpPr>
-          <p:cNvPr id="19" name="TextBox 18">
-            <a:extLst>
-              <a:ext uri="{FF2B5EF4-FFF2-40B4-BE49-F238E27FC236}">
-                <a16:creationId xmlns:a16="http://schemas.microsoft.com/office/drawing/2014/main" id="{C3B1A2A6-D44D-F243-BA18-4C51E3DFC039}"/>
-              </a:ext>
-            </a:extLst>
-          </p:cNvPr>
-          <p:cNvSpPr txBox="1"/>
-          <p:nvPr/>
-        </p:nvSpPr>
-        <p:spPr>
-          <a:xfrm>
-            <a:off x="1268132" y="22824143"/>
-            <a:ext cx="11787467" cy="1938992"/>
-          </a:xfrm>
-          <a:prstGeom prst="rect">
-            <a:avLst/>
-          </a:prstGeom>
-          <a:noFill/>
-        </p:spPr>
-        <p:txBody>
-          <a:bodyPr wrap="square" rtlCol="0">
-            <a:spAutoFit/>
-          </a:bodyPr>
-          <a:lstStyle/>
-          <a:p>
-            <a:r>
-              <a:rPr lang="en-US" sz="4800" b="1" dirty="0"/>
-              <a:t>The Lyapunov Exponent and Chaos</a:t>
-            </a:r>
-            <a:br>
-              <a:rPr lang="en-US" sz="2800" b="1" dirty="0"/>
-            </a:br>
-            <a:br>
-              <a:rPr lang="en-US" sz="3600" b="1" dirty="0">
-                <a:latin typeface=""/>
-              </a:rPr>
-            </a:br>
-            <a:r>
-              <a:rPr lang="en-US" sz="3600" b="1" dirty="0">
-                <a:latin typeface=""/>
-              </a:rPr>
-              <a:t>- </a:t>
-            </a:r>
-            <a:r>
-              <a:rPr lang="en-US" sz="3600" dirty="0">
-                <a:latin typeface=""/>
-              </a:rPr>
-              <a:t>Describe it, Describe Chaos, Why do we care?</a:t>
-            </a:r>
-            <a:endParaRPr lang="en-US" sz="3600" b="1" dirty="0">
-              <a:latin typeface=""/>
-            </a:endParaRPr>
-          </a:p>
-        </p:txBody>
-      </p:sp>
+      <mc:AlternateContent xmlns:mc="http://schemas.openxmlformats.org/markup-compatibility/2006">
+        <mc:Choice xmlns:a14="http://schemas.microsoft.com/office/drawing/2010/main" Requires="a14">
+          <p:sp>
+            <p:nvSpPr>
+              <p:cNvPr id="13" name="TextBox 12">
+                <a:extLst>
+                  <a:ext uri="{FF2B5EF4-FFF2-40B4-BE49-F238E27FC236}">
+                    <a16:creationId xmlns:a16="http://schemas.microsoft.com/office/drawing/2014/main" id="{80575815-6682-F54F-A5E9-8E98D5CBA430}"/>
+                  </a:ext>
+                </a:extLst>
+              </p:cNvPr>
+              <p:cNvSpPr txBox="1"/>
+              <p:nvPr/>
+            </p:nvSpPr>
+            <p:spPr>
+              <a:xfrm>
+                <a:off x="1268132" y="21258438"/>
+                <a:ext cx="11787466" cy="2554545"/>
+              </a:xfrm>
+              <a:prstGeom prst="rect">
+                <a:avLst/>
+              </a:prstGeom>
+              <a:noFill/>
+            </p:spPr>
+            <p:txBody>
+              <a:bodyPr wrap="square" rtlCol="0">
+                <a:spAutoFit/>
+              </a:bodyPr>
+              <a:lstStyle/>
+              <a:p>
+                <a14:m>
+                  <m:oMathPara xmlns:m="http://schemas.openxmlformats.org/officeDocument/2006/math">
+                    <m:oMathParaPr>
+                      <m:jc m:val="centerGroup"/>
+                    </m:oMathParaPr>
+                    <m:oMath xmlns:m="http://schemas.openxmlformats.org/officeDocument/2006/math">
+                      <m:sSub>
+                        <m:sSubPr>
+                          <m:ctrlPr>
+                            <a:rPr lang="en-US" sz="3200" b="0" i="1" smtClean="0">
+                              <a:latin typeface="Cambria Math" panose="02040503050406030204" pitchFamily="18" charset="0"/>
+                              <a:ea typeface="Open Sans" panose="020B0606030504020204" pitchFamily="34" charset="0"/>
+                              <a:cs typeface="Open Sans" panose="020B0606030504020204" pitchFamily="34" charset="0"/>
+                            </a:rPr>
+                          </m:ctrlPr>
+                        </m:sSubPr>
+                        <m:e>
+                          <m:r>
+                            <a:rPr lang="en-US" sz="3200" b="0" i="1" smtClean="0">
+                              <a:latin typeface="Cambria Math" panose="02040503050406030204" pitchFamily="18" charset="0"/>
+                              <a:ea typeface="Open Sans" panose="020B0606030504020204" pitchFamily="34" charset="0"/>
+                              <a:cs typeface="Open Sans" panose="020B0606030504020204" pitchFamily="34" charset="0"/>
+                            </a:rPr>
+                            <m:t>𝑥</m:t>
+                          </m:r>
+                        </m:e>
+                        <m:sub>
+                          <m:r>
+                            <a:rPr lang="en-US" sz="3200" b="0" i="1" smtClean="0">
+                              <a:latin typeface="Cambria Math" panose="02040503050406030204" pitchFamily="18" charset="0"/>
+                              <a:ea typeface="Open Sans" panose="020B0606030504020204" pitchFamily="34" charset="0"/>
+                              <a:cs typeface="Open Sans" panose="020B0606030504020204" pitchFamily="34" charset="0"/>
+                            </a:rPr>
+                            <m:t>𝑘</m:t>
+                          </m:r>
+                          <m:r>
+                            <a:rPr lang="en-US" sz="3200" b="0" i="1" smtClean="0">
+                              <a:latin typeface="Cambria Math" panose="02040503050406030204" pitchFamily="18" charset="0"/>
+                              <a:ea typeface="Open Sans" panose="020B0606030504020204" pitchFamily="34" charset="0"/>
+                              <a:cs typeface="Open Sans" panose="020B0606030504020204" pitchFamily="34" charset="0"/>
+                            </a:rPr>
+                            <m:t>+1</m:t>
+                          </m:r>
+                        </m:sub>
+                      </m:sSub>
+                      <m:r>
+                        <a:rPr lang="en-US" sz="3200" b="0" i="1" smtClean="0">
+                          <a:latin typeface="Cambria Math" panose="02040503050406030204" pitchFamily="18" charset="0"/>
+                          <a:ea typeface="Open Sans" panose="020B0606030504020204" pitchFamily="34" charset="0"/>
+                          <a:cs typeface="Open Sans" panose="020B0606030504020204" pitchFamily="34" charset="0"/>
+                        </a:rPr>
+                        <m:t>=</m:t>
+                      </m:r>
+                      <m:sSub>
+                        <m:sSubPr>
+                          <m:ctrlPr>
+                            <a:rPr lang="en-US" sz="3200" b="0" i="1" smtClean="0">
+                              <a:latin typeface="Cambria Math" panose="02040503050406030204" pitchFamily="18" charset="0"/>
+                              <a:ea typeface="Open Sans" panose="020B0606030504020204" pitchFamily="34" charset="0"/>
+                              <a:cs typeface="Open Sans" panose="020B0606030504020204" pitchFamily="34" charset="0"/>
+                            </a:rPr>
+                          </m:ctrlPr>
+                        </m:sSubPr>
+                        <m:e>
+                          <m:r>
+                            <a:rPr lang="en-US" sz="3200" b="0" i="1" smtClean="0">
+                              <a:latin typeface="Cambria Math" panose="02040503050406030204" pitchFamily="18" charset="0"/>
+                              <a:ea typeface="Open Sans" panose="020B0606030504020204" pitchFamily="34" charset="0"/>
+                              <a:cs typeface="Open Sans" panose="020B0606030504020204" pitchFamily="34" charset="0"/>
+                            </a:rPr>
+                            <m:t>𝑟</m:t>
+                          </m:r>
+                        </m:e>
+                        <m:sub>
+                          <m:r>
+                            <a:rPr lang="en-US" sz="3200" b="0" i="1" smtClean="0">
+                              <a:latin typeface="Cambria Math" panose="02040503050406030204" pitchFamily="18" charset="0"/>
+                              <a:ea typeface="Open Sans" panose="020B0606030504020204" pitchFamily="34" charset="0"/>
+                              <a:cs typeface="Open Sans" panose="020B0606030504020204" pitchFamily="34" charset="0"/>
+                            </a:rPr>
+                            <m:t>𝑘</m:t>
+                          </m:r>
+                        </m:sub>
+                      </m:sSub>
+                      <m:sSub>
+                        <m:sSubPr>
+                          <m:ctrlPr>
+                            <a:rPr lang="en-US" sz="3200" b="0" i="1" smtClean="0">
+                              <a:latin typeface="Cambria Math" panose="02040503050406030204" pitchFamily="18" charset="0"/>
+                              <a:ea typeface="Open Sans" panose="020B0606030504020204" pitchFamily="34" charset="0"/>
+                              <a:cs typeface="Open Sans" panose="020B0606030504020204" pitchFamily="34" charset="0"/>
+                            </a:rPr>
+                          </m:ctrlPr>
+                        </m:sSubPr>
+                        <m:e>
+                          <m:r>
+                            <a:rPr lang="en-US" sz="3200" b="0" i="1" smtClean="0">
+                              <a:latin typeface="Cambria Math" panose="02040503050406030204" pitchFamily="18" charset="0"/>
+                              <a:ea typeface="Open Sans" panose="020B0606030504020204" pitchFamily="34" charset="0"/>
+                              <a:cs typeface="Open Sans" panose="020B0606030504020204" pitchFamily="34" charset="0"/>
+                            </a:rPr>
+                            <m:t>𝑥</m:t>
+                          </m:r>
+                        </m:e>
+                        <m:sub>
+                          <m:r>
+                            <a:rPr lang="en-US" sz="3200" b="0" i="1" smtClean="0">
+                              <a:latin typeface="Cambria Math" panose="02040503050406030204" pitchFamily="18" charset="0"/>
+                              <a:ea typeface="Open Sans" panose="020B0606030504020204" pitchFamily="34" charset="0"/>
+                              <a:cs typeface="Open Sans" panose="020B0606030504020204" pitchFamily="34" charset="0"/>
+                            </a:rPr>
+                            <m:t>𝑘</m:t>
+                          </m:r>
+                        </m:sub>
+                      </m:sSub>
+                      <m:r>
+                        <a:rPr lang="en-US" sz="3200" b="0" i="1" smtClean="0">
+                          <a:latin typeface="Cambria Math" panose="02040503050406030204" pitchFamily="18" charset="0"/>
+                          <a:ea typeface="Open Sans" panose="020B0606030504020204" pitchFamily="34" charset="0"/>
+                          <a:cs typeface="Open Sans" panose="020B0606030504020204" pitchFamily="34" charset="0"/>
+                        </a:rPr>
+                        <m:t>(1 −</m:t>
+                      </m:r>
+                      <m:sSub>
+                        <m:sSubPr>
+                          <m:ctrlPr>
+                            <a:rPr lang="en-US" sz="3200" b="0" i="1" smtClean="0">
+                              <a:latin typeface="Cambria Math" panose="02040503050406030204" pitchFamily="18" charset="0"/>
+                              <a:ea typeface="Open Sans" panose="020B0606030504020204" pitchFamily="34" charset="0"/>
+                              <a:cs typeface="Open Sans" panose="020B0606030504020204" pitchFamily="34" charset="0"/>
+                            </a:rPr>
+                          </m:ctrlPr>
+                        </m:sSubPr>
+                        <m:e>
+                          <m:r>
+                            <a:rPr lang="en-US" sz="3200" b="0" i="1" smtClean="0">
+                              <a:latin typeface="Cambria Math" panose="02040503050406030204" pitchFamily="18" charset="0"/>
+                              <a:ea typeface="Open Sans" panose="020B0606030504020204" pitchFamily="34" charset="0"/>
+                              <a:cs typeface="Open Sans" panose="020B0606030504020204" pitchFamily="34" charset="0"/>
+                            </a:rPr>
+                            <m:t>𝑥</m:t>
+                          </m:r>
+                        </m:e>
+                        <m:sub>
+                          <m:r>
+                            <a:rPr lang="en-US" sz="3200" b="0" i="1" smtClean="0">
+                              <a:latin typeface="Cambria Math" panose="02040503050406030204" pitchFamily="18" charset="0"/>
+                              <a:ea typeface="Open Sans" panose="020B0606030504020204" pitchFamily="34" charset="0"/>
+                              <a:cs typeface="Open Sans" panose="020B0606030504020204" pitchFamily="34" charset="0"/>
+                            </a:rPr>
+                            <m:t>𝑘</m:t>
+                          </m:r>
+                        </m:sub>
+                      </m:sSub>
+                      <m:r>
+                        <a:rPr lang="en-US" sz="3200" b="0" i="1" smtClean="0">
+                          <a:latin typeface="Cambria Math" panose="02040503050406030204" pitchFamily="18" charset="0"/>
+                          <a:ea typeface="Open Sans" panose="020B0606030504020204" pitchFamily="34" charset="0"/>
+                          <a:cs typeface="Open Sans" panose="020B0606030504020204" pitchFamily="34" charset="0"/>
+                        </a:rPr>
+                        <m:t>)</m:t>
+                      </m:r>
+                    </m:oMath>
+                  </m:oMathPara>
+                </a14:m>
+                <a:endParaRPr lang="en-US" sz="3200" b="1" dirty="0"/>
+              </a:p>
+              <a:p>
+                <a:pPr marL="914400" lvl="1" indent="-457200">
+                  <a:buFont typeface="Arial" panose="020B0604020202020204" pitchFamily="34" charset="0"/>
+                  <a:buChar char="•"/>
+                </a:pPr>
+                <a:r>
+                  <a:rPr lang="en-US" sz="3200" dirty="0">
+                    <a:latin typeface="Open Sans" panose="020B0606030504020204" pitchFamily="34" charset="0"/>
+                    <a:ea typeface="Open Sans" panose="020B0606030504020204" pitchFamily="34" charset="0"/>
+                    <a:cs typeface="Open Sans" panose="020B0606030504020204" pitchFamily="34" charset="0"/>
+                  </a:rPr>
+                  <a:t>Well-studied</a:t>
+                </a:r>
+              </a:p>
+              <a:p>
+                <a:pPr marL="914400" lvl="1" indent="-457200">
+                  <a:buFont typeface="Arial" panose="020B0604020202020204" pitchFamily="34" charset="0"/>
+                  <a:buChar char="•"/>
+                </a:pPr>
+                <a:r>
+                  <a:rPr lang="en-US" sz="3200" dirty="0">
+                    <a:latin typeface="Open Sans" panose="020B0606030504020204" pitchFamily="34" charset="0"/>
+                    <a:ea typeface="Open Sans" panose="020B0606030504020204" pitchFamily="34" charset="0"/>
+                    <a:cs typeface="Open Sans" panose="020B0606030504020204" pitchFamily="34" charset="0"/>
+                  </a:rPr>
+                  <a:t>Leads to chaotic behavior for certain sequences </a:t>
+                </a:r>
+                <a14:m>
+                  <m:oMath xmlns:m="http://schemas.openxmlformats.org/officeDocument/2006/math">
+                    <m:sSub>
+                      <m:sSubPr>
+                        <m:ctrlPr>
+                          <a:rPr lang="en-US" sz="3200" b="0" i="1" smtClean="0">
+                            <a:latin typeface="Cambria Math" panose="02040503050406030204" pitchFamily="18" charset="0"/>
+                            <a:ea typeface="Open Sans" panose="020B0606030504020204" pitchFamily="34" charset="0"/>
+                            <a:cs typeface="Open Sans" panose="020B0606030504020204" pitchFamily="34" charset="0"/>
+                          </a:rPr>
+                        </m:ctrlPr>
+                      </m:sSubPr>
+                      <m:e>
+                        <m:r>
+                          <a:rPr lang="en-US" sz="3200" b="0" i="1" smtClean="0">
+                            <a:latin typeface="Cambria Math" panose="02040503050406030204" pitchFamily="18" charset="0"/>
+                            <a:ea typeface="Open Sans" panose="020B0606030504020204" pitchFamily="34" charset="0"/>
+                            <a:cs typeface="Open Sans" panose="020B0606030504020204" pitchFamily="34" charset="0"/>
+                          </a:rPr>
+                          <m:t>𝑟</m:t>
+                        </m:r>
+                      </m:e>
+                      <m:sub>
+                        <m:r>
+                          <a:rPr lang="en-US" sz="3200" b="0" i="1" smtClean="0">
+                            <a:latin typeface="Cambria Math" panose="02040503050406030204" pitchFamily="18" charset="0"/>
+                            <a:ea typeface="Open Sans" panose="020B0606030504020204" pitchFamily="34" charset="0"/>
+                            <a:cs typeface="Open Sans" panose="020B0606030504020204" pitchFamily="34" charset="0"/>
+                          </a:rPr>
+                          <m:t>𝑘</m:t>
+                        </m:r>
+                      </m:sub>
+                    </m:sSub>
+                  </m:oMath>
+                </a14:m>
+                <a:endParaRPr lang="en-US" sz="3200" dirty="0">
+                  <a:latin typeface="Open Sans" panose="020B0606030504020204" pitchFamily="34" charset="0"/>
+                  <a:ea typeface="Open Sans" panose="020B0606030504020204" pitchFamily="34" charset="0"/>
+                  <a:cs typeface="Open Sans" panose="020B0606030504020204" pitchFamily="34" charset="0"/>
+                </a:endParaRPr>
+              </a:p>
+              <a:p>
+                <a:pPr marL="914400" lvl="1" indent="-457200">
+                  <a:buFont typeface="Arial" panose="020B0604020202020204" pitchFamily="34" charset="0"/>
+                  <a:buChar char="•"/>
+                </a:pPr>
+                <a:r>
+                  <a:rPr lang="en-US" sz="3200" dirty="0">
+                    <a:latin typeface="Open Sans" panose="020B0606030504020204" pitchFamily="34" charset="0"/>
+                    <a:ea typeface="Open Sans" panose="020B0606030504020204" pitchFamily="34" charset="0"/>
+                    <a:cs typeface="Open Sans" panose="020B0606030504020204" pitchFamily="34" charset="0"/>
+                  </a:rPr>
+                  <a:t>Measure of population growth</a:t>
+                </a:r>
+              </a:p>
+              <a:p>
+                <a:pPr lvl="1"/>
+                <a:endParaRPr lang="en-US" sz="3200" dirty="0">
+                  <a:latin typeface="Open Sans" panose="020B0606030504020204" pitchFamily="34" charset="0"/>
+                  <a:ea typeface="Open Sans" panose="020B0606030504020204" pitchFamily="34" charset="0"/>
+                  <a:cs typeface="Open Sans" panose="020B0606030504020204" pitchFamily="34" charset="0"/>
+                </a:endParaRPr>
+              </a:p>
+            </p:txBody>
+          </p:sp>
+        </mc:Choice>
+        <mc:Fallback>
+          <p:sp>
+            <p:nvSpPr>
+              <p:cNvPr id="13" name="TextBox 12">
+                <a:extLst>
+                  <a:ext uri="{FF2B5EF4-FFF2-40B4-BE49-F238E27FC236}">
+                    <a16:creationId xmlns:a16="http://schemas.microsoft.com/office/drawing/2014/main" id="{80575815-6682-F54F-A5E9-8E98D5CBA430}"/>
+                  </a:ext>
+                </a:extLst>
+              </p:cNvPr>
+              <p:cNvSpPr txBox="1">
+                <a:spLocks noRot="1" noChangeAspect="1" noMove="1" noResize="1" noEditPoints="1" noAdjustHandles="1" noChangeArrowheads="1" noChangeShapeType="1" noTextEdit="1"/>
+              </p:cNvSpPr>
+              <p:nvPr/>
+            </p:nvSpPr>
+            <p:spPr>
+              <a:xfrm>
+                <a:off x="1268132" y="21258438"/>
+                <a:ext cx="11787466" cy="2554545"/>
+              </a:xfrm>
+              <a:prstGeom prst="rect">
+                <a:avLst/>
+              </a:prstGeom>
+              <a:blipFill>
+                <a:blip r:embed="rId11"/>
+                <a:stretch>
+                  <a:fillRect/>
+                </a:stretch>
+              </a:blipFill>
+            </p:spPr>
+            <p:txBody>
+              <a:bodyPr/>
+              <a:lstStyle/>
+              <a:p>
+                <a:r>
+                  <a:rPr lang="en-US">
+                    <a:noFill/>
+                  </a:rPr>
+                  <a:t> </a:t>
+                </a:r>
+              </a:p>
+            </p:txBody>
+          </p:sp>
+        </mc:Fallback>
+      </mc:AlternateContent>
+      <mc:AlternateContent xmlns:mc="http://schemas.openxmlformats.org/markup-compatibility/2006">
+        <mc:Choice xmlns:a14="http://schemas.microsoft.com/office/drawing/2010/main" Requires="a14">
+          <p:sp>
+            <p:nvSpPr>
+              <p:cNvPr id="19" name="TextBox 18">
+                <a:extLst>
+                  <a:ext uri="{FF2B5EF4-FFF2-40B4-BE49-F238E27FC236}">
+                    <a16:creationId xmlns:a16="http://schemas.microsoft.com/office/drawing/2014/main" id="{C3B1A2A6-D44D-F243-BA18-4C51E3DFC039}"/>
+                  </a:ext>
+                </a:extLst>
+              </p:cNvPr>
+              <p:cNvSpPr txBox="1"/>
+              <p:nvPr/>
+            </p:nvSpPr>
+            <p:spPr>
+              <a:xfrm>
+                <a:off x="887225" y="25638100"/>
+                <a:ext cx="12168373" cy="4945328"/>
+              </a:xfrm>
+              <a:prstGeom prst="rect">
+                <a:avLst/>
+              </a:prstGeom>
+              <a:noFill/>
+            </p:spPr>
+            <p:txBody>
+              <a:bodyPr wrap="square" rtlCol="0">
+                <a:spAutoFit/>
+              </a:bodyPr>
+              <a:lstStyle/>
+              <a:p>
+                <a14:m>
+                  <m:oMathPara xmlns:m="http://schemas.openxmlformats.org/officeDocument/2006/math">
+                    <m:oMathParaPr>
+                      <m:jc m:val="centerGroup"/>
+                    </m:oMathParaPr>
+                    <m:oMath xmlns:m="http://schemas.openxmlformats.org/officeDocument/2006/math">
+                      <m:r>
+                        <a:rPr lang="en-US" sz="3200" b="0" i="1" smtClean="0">
+                          <a:latin typeface="Cambria Math" panose="02040503050406030204" pitchFamily="18" charset="0"/>
+                        </a:rPr>
+                        <m:t>𝜆</m:t>
+                      </m:r>
+                      <m:r>
+                        <a:rPr lang="en-US" sz="3200" b="0" i="1" smtClean="0">
+                          <a:latin typeface="Cambria Math" panose="02040503050406030204" pitchFamily="18" charset="0"/>
+                        </a:rPr>
+                        <m:t>=</m:t>
+                      </m:r>
+                      <m:func>
+                        <m:funcPr>
+                          <m:ctrlPr>
+                            <a:rPr lang="en-US" sz="3200" i="1" smtClean="0">
+                              <a:latin typeface="Cambria Math" panose="02040503050406030204" pitchFamily="18" charset="0"/>
+                            </a:rPr>
+                          </m:ctrlPr>
+                        </m:funcPr>
+                        <m:fName>
+                          <m:limLow>
+                            <m:limLowPr>
+                              <m:ctrlPr>
+                                <a:rPr lang="en-US" sz="3200" i="1" smtClean="0">
+                                  <a:latin typeface="Cambria Math" panose="02040503050406030204" pitchFamily="18" charset="0"/>
+                                </a:rPr>
+                              </m:ctrlPr>
+                            </m:limLowPr>
+                            <m:e>
+                              <m:r>
+                                <a:rPr lang="en-US" sz="3200" b="0" i="1" smtClean="0">
+                                  <a:latin typeface="Cambria Math" panose="02040503050406030204" pitchFamily="18" charset="0"/>
+                                </a:rPr>
+                                <m:t>𝑙𝑖𝑚</m:t>
+                              </m:r>
+                            </m:e>
+                            <m:lim>
+                              <m:r>
+                                <a:rPr lang="en-US" sz="3200" b="0" i="1" smtClean="0">
+                                  <a:latin typeface="Cambria Math" panose="02040503050406030204" pitchFamily="18" charset="0"/>
+                                </a:rPr>
+                                <m:t>𝑛</m:t>
+                              </m:r>
+                              <m:r>
+                                <a:rPr lang="en-US" sz="3200" b="0" i="1" smtClean="0">
+                                  <a:latin typeface="Cambria Math" panose="02040503050406030204" pitchFamily="18" charset="0"/>
+                                </a:rPr>
+                                <m:t>→∞</m:t>
+                              </m:r>
+                            </m:lim>
+                          </m:limLow>
+                        </m:fName>
+                        <m:e>
+                          <m:f>
+                            <m:fPr>
+                              <m:ctrlPr>
+                                <a:rPr lang="en-US" sz="3200" i="1" smtClean="0">
+                                  <a:latin typeface="Cambria Math" panose="02040503050406030204" pitchFamily="18" charset="0"/>
+                                </a:rPr>
+                              </m:ctrlPr>
+                            </m:fPr>
+                            <m:num>
+                              <m:r>
+                                <a:rPr lang="en-US" sz="3200" b="0" i="1" smtClean="0">
+                                  <a:latin typeface="Cambria Math" panose="02040503050406030204" pitchFamily="18" charset="0"/>
+                                </a:rPr>
+                                <m:t>1</m:t>
+                              </m:r>
+                            </m:num>
+                            <m:den>
+                              <m:r>
+                                <a:rPr lang="en-US" sz="3200" b="0" i="1" smtClean="0">
+                                  <a:latin typeface="Cambria Math" panose="02040503050406030204" pitchFamily="18" charset="0"/>
+                                </a:rPr>
+                                <m:t>𝑛</m:t>
+                              </m:r>
+                            </m:den>
+                          </m:f>
+                          <m:nary>
+                            <m:naryPr>
+                              <m:chr m:val="∑"/>
+                              <m:ctrlPr>
+                                <a:rPr lang="en-US" sz="3200" i="1" smtClean="0">
+                                  <a:latin typeface="Cambria Math" panose="02040503050406030204" pitchFamily="18" charset="0"/>
+                                </a:rPr>
+                              </m:ctrlPr>
+                            </m:naryPr>
+                            <m:sub>
+                              <m:r>
+                                <a:rPr lang="en-US" sz="3200" b="0" i="1" smtClean="0">
+                                  <a:latin typeface="Cambria Math" panose="02040503050406030204" pitchFamily="18" charset="0"/>
+                                </a:rPr>
+                                <m:t>𝑘</m:t>
+                              </m:r>
+                              <m:r>
+                                <a:rPr lang="en-US" sz="3200" b="0" i="1" smtClean="0">
+                                  <a:latin typeface="Cambria Math" panose="02040503050406030204" pitchFamily="18" charset="0"/>
+                                </a:rPr>
+                                <m:t>=1</m:t>
+                              </m:r>
+                            </m:sub>
+                            <m:sup>
+                              <m:r>
+                                <a:rPr lang="en-US" sz="3200" b="0" i="1" smtClean="0">
+                                  <a:latin typeface="Cambria Math" panose="02040503050406030204" pitchFamily="18" charset="0"/>
+                                </a:rPr>
+                                <m:t>𝑛</m:t>
+                              </m:r>
+                            </m:sup>
+                            <m:e>
+                              <m:r>
+                                <a:rPr lang="en-US" sz="3200" b="0" i="1">
+                                  <a:latin typeface="Cambria Math" panose="02040503050406030204" pitchFamily="18" charset="0"/>
+                                </a:rPr>
+                                <m:t>𝑙𝑛</m:t>
+                              </m:r>
+                              <m:d>
+                                <m:dPr>
+                                  <m:begChr m:val="|"/>
+                                  <m:endChr m:val="|"/>
+                                  <m:ctrlPr>
+                                    <a:rPr lang="en-US" sz="3200" i="1">
+                                      <a:latin typeface="Cambria Math" panose="02040503050406030204" pitchFamily="18" charset="0"/>
+                                    </a:rPr>
+                                  </m:ctrlPr>
+                                </m:dPr>
+                                <m:e>
+                                  <m:f>
+                                    <m:fPr>
+                                      <m:ctrlPr>
+                                        <a:rPr lang="en-US" sz="3200" i="1">
+                                          <a:latin typeface="Cambria Math" panose="02040503050406030204" pitchFamily="18" charset="0"/>
+                                        </a:rPr>
+                                      </m:ctrlPr>
+                                    </m:fPr>
+                                    <m:num>
+                                      <m:r>
+                                        <a:rPr lang="en-US" sz="3200" b="0" i="1">
+                                          <a:latin typeface="Cambria Math" panose="02040503050406030204" pitchFamily="18" charset="0"/>
+                                        </a:rPr>
+                                        <m:t>𝑑</m:t>
+                                      </m:r>
+                                      <m:sSub>
+                                        <m:sSubPr>
+                                          <m:ctrlPr>
+                                            <a:rPr lang="en-US" sz="3200" i="1">
+                                              <a:latin typeface="Cambria Math" panose="02040503050406030204" pitchFamily="18" charset="0"/>
+                                            </a:rPr>
+                                          </m:ctrlPr>
+                                        </m:sSubPr>
+                                        <m:e>
+                                          <m:r>
+                                            <a:rPr lang="en-US" sz="3200" b="0" i="1">
+                                              <a:latin typeface="Cambria Math" panose="02040503050406030204" pitchFamily="18" charset="0"/>
+                                            </a:rPr>
+                                            <m:t>𝑥</m:t>
+                                          </m:r>
+                                        </m:e>
+                                        <m:sub>
+                                          <m:r>
+                                            <a:rPr lang="en-US" sz="3200" b="0" i="1">
+                                              <a:latin typeface="Cambria Math" panose="02040503050406030204" pitchFamily="18" charset="0"/>
+                                            </a:rPr>
+                                            <m:t>𝑘</m:t>
+                                          </m:r>
+                                          <m:r>
+                                            <a:rPr lang="en-US" sz="3200" b="0" i="1">
+                                              <a:latin typeface="Cambria Math" panose="02040503050406030204" pitchFamily="18" charset="0"/>
+                                            </a:rPr>
+                                            <m:t>+1</m:t>
+                                          </m:r>
+                                        </m:sub>
+                                      </m:sSub>
+                                    </m:num>
+                                    <m:den>
+                                      <m:r>
+                                        <a:rPr lang="en-US" sz="3200" b="0" i="1">
+                                          <a:latin typeface="Cambria Math" panose="02040503050406030204" pitchFamily="18" charset="0"/>
+                                        </a:rPr>
+                                        <m:t>𝑑</m:t>
+                                      </m:r>
+                                      <m:sSub>
+                                        <m:sSubPr>
+                                          <m:ctrlPr>
+                                            <a:rPr lang="en-US" sz="3200" i="1">
+                                              <a:latin typeface="Cambria Math" panose="02040503050406030204" pitchFamily="18" charset="0"/>
+                                            </a:rPr>
+                                          </m:ctrlPr>
+                                        </m:sSubPr>
+                                        <m:e>
+                                          <m:r>
+                                            <a:rPr lang="en-US" sz="3200" b="0" i="1">
+                                              <a:latin typeface="Cambria Math" panose="02040503050406030204" pitchFamily="18" charset="0"/>
+                                            </a:rPr>
+                                            <m:t>𝑥</m:t>
+                                          </m:r>
+                                        </m:e>
+                                        <m:sub>
+                                          <m:r>
+                                            <a:rPr lang="en-US" sz="3200" b="0" i="1">
+                                              <a:latin typeface="Cambria Math" panose="02040503050406030204" pitchFamily="18" charset="0"/>
+                                            </a:rPr>
+                                            <m:t>𝑘</m:t>
+                                          </m:r>
+                                        </m:sub>
+                                      </m:sSub>
+                                    </m:den>
+                                  </m:f>
+                                </m:e>
+                              </m:d>
+                            </m:e>
+                          </m:nary>
+                        </m:e>
+                      </m:func>
+                    </m:oMath>
+                  </m:oMathPara>
+                </a14:m>
+                <a:endParaRPr lang="en-US" sz="3200" i="1" dirty="0">
+                  <a:latin typeface=""/>
+                </a:endParaRPr>
+              </a:p>
+              <a:p>
+                <a:endParaRPr lang="en-US" sz="3200" i="1" dirty="0">
+                  <a:latin typeface=""/>
+                </a:endParaRPr>
+              </a:p>
+              <a:p>
+                <a:pPr marL="914400" lvl="1" indent="-457200">
+                  <a:buFont typeface="Arial" panose="020B0604020202020204" pitchFamily="34" charset="0"/>
+                  <a:buChar char="•"/>
+                </a:pPr>
+                <a:r>
+                  <a:rPr lang="en-US" sz="3200" dirty="0">
+                    <a:latin typeface="Open Sans" panose="020B0606030504020204" pitchFamily="34" charset="0"/>
+                    <a:ea typeface="Open Sans" panose="020B0606030504020204" pitchFamily="34" charset="0"/>
+                    <a:cs typeface="Open Sans" panose="020B0606030504020204" pitchFamily="34" charset="0"/>
+                  </a:rPr>
+                  <a:t>Negative </a:t>
+                </a:r>
+                <a14:m>
+                  <m:oMath xmlns:m="http://schemas.openxmlformats.org/officeDocument/2006/math">
+                    <m:r>
+                      <a:rPr lang="en-US" sz="3200" b="1" i="1" smtClean="0">
+                        <a:latin typeface="Cambria Math" panose="02040503050406030204" pitchFamily="18" charset="0"/>
+                      </a:rPr>
+                      <m:t>𝝀</m:t>
+                    </m:r>
+                  </m:oMath>
+                </a14:m>
+                <a:r>
+                  <a:rPr lang="en-US" sz="3200" b="1" dirty="0">
+                    <a:latin typeface="Open Sans" panose="020B0606030504020204" pitchFamily="34" charset="0"/>
+                    <a:ea typeface="Open Sans" panose="020B0606030504020204" pitchFamily="34" charset="0"/>
+                    <a:cs typeface="Open Sans" panose="020B0606030504020204" pitchFamily="34" charset="0"/>
+                  </a:rPr>
+                  <a:t> </a:t>
+                </a:r>
+                <a:r>
+                  <a:rPr lang="en-US" sz="3200" dirty="0">
+                    <a:latin typeface="Open Sans" panose="020B0606030504020204" pitchFamily="34" charset="0"/>
+                    <a:ea typeface="Open Sans" panose="020B0606030504020204" pitchFamily="34" charset="0"/>
+                    <a:cs typeface="Open Sans" panose="020B0606030504020204" pitchFamily="34" charset="0"/>
+                  </a:rPr>
+                  <a:t>indicates stability, positive indicates chaos</a:t>
+                </a:r>
+              </a:p>
+              <a:p>
+                <a:pPr marL="914400" lvl="1" indent="-457200">
+                  <a:buFont typeface="Arial" panose="020B0604020202020204" pitchFamily="34" charset="0"/>
+                  <a:buChar char="•"/>
+                </a:pPr>
+                <a:r>
+                  <a:rPr lang="en-US" sz="3200" dirty="0">
+                    <a:latin typeface="Open Sans" panose="020B0606030504020204" pitchFamily="34" charset="0"/>
+                    <a:ea typeface="Open Sans" panose="020B0606030504020204" pitchFamily="34" charset="0"/>
+                    <a:cs typeface="Open Sans" panose="020B0606030504020204" pitchFamily="34" charset="0"/>
+                  </a:rPr>
+                  <a:t>Traditionally </a:t>
+                </a:r>
+                <a14:m>
+                  <m:oMath xmlns:m="http://schemas.openxmlformats.org/officeDocument/2006/math">
+                    <m:r>
+                      <a:rPr lang="en-US" sz="3200" b="1" i="1" smtClean="0">
+                        <a:latin typeface="Cambria Math" panose="02040503050406030204" pitchFamily="18" charset="0"/>
+                      </a:rPr>
+                      <m:t>𝝀</m:t>
+                    </m:r>
+                  </m:oMath>
+                </a14:m>
+                <a:r>
+                  <a:rPr lang="en-US" sz="3200" dirty="0">
+                    <a:latin typeface="Open Sans" panose="020B0606030504020204" pitchFamily="34" charset="0"/>
+                    <a:ea typeface="Open Sans" panose="020B0606030504020204" pitchFamily="34" charset="0"/>
+                    <a:cs typeface="Open Sans" panose="020B0606030504020204" pitchFamily="34" charset="0"/>
+                  </a:rPr>
+                  <a:t> is computed iteratively with:</a:t>
+                </a:r>
+              </a:p>
+              <a:p>
+                <a:pPr marL="1371600" lvl="2" indent="-457200">
+                  <a:buFont typeface="Arial" panose="020B0604020202020204" pitchFamily="34" charset="0"/>
+                  <a:buChar char="•"/>
+                </a:pPr>
+                <a:r>
+                  <a:rPr lang="en-US" sz="3200" dirty="0">
+                    <a:latin typeface="Open Sans" panose="020B0606030504020204" pitchFamily="34" charset="0"/>
+                    <a:ea typeface="Open Sans" panose="020B0606030504020204" pitchFamily="34" charset="0"/>
+                    <a:cs typeface="Open Sans" panose="020B0606030504020204" pitchFamily="34" charset="0"/>
+                  </a:rPr>
+                  <a:t>Warm-up iterations to settle into final behavior</a:t>
+                </a:r>
+              </a:p>
+              <a:p>
+                <a:pPr marL="1371600" lvl="2" indent="-457200">
+                  <a:buFont typeface="Arial" panose="020B0604020202020204" pitchFamily="34" charset="0"/>
+                  <a:buChar char="•"/>
+                </a:pPr>
+                <a14:m>
+                  <m:oMath xmlns:m="http://schemas.openxmlformats.org/officeDocument/2006/math">
+                    <m:r>
+                      <a:rPr lang="en-US" sz="3200" b="0" i="1" smtClean="0">
+                        <a:latin typeface="Cambria Math" panose="02040503050406030204" pitchFamily="18" charset="0"/>
+                      </a:rPr>
+                      <m:t>𝑛</m:t>
+                    </m:r>
+                  </m:oMath>
+                </a14:m>
+                <a:r>
+                  <a:rPr lang="en-US" sz="3200" b="1" dirty="0">
+                    <a:latin typeface="Open Sans" panose="020B0606030504020204" pitchFamily="34" charset="0"/>
+                    <a:ea typeface="Open Sans" panose="020B0606030504020204" pitchFamily="34" charset="0"/>
+                    <a:cs typeface="Open Sans" panose="020B0606030504020204" pitchFamily="34" charset="0"/>
+                  </a:rPr>
+                  <a:t> </a:t>
+                </a:r>
+                <a:r>
+                  <a:rPr lang="en-US" sz="3200" dirty="0">
+                    <a:latin typeface="Open Sans" panose="020B0606030504020204" pitchFamily="34" charset="0"/>
+                    <a:ea typeface="Open Sans" panose="020B0606030504020204" pitchFamily="34" charset="0"/>
+                    <a:cs typeface="Open Sans" panose="020B0606030504020204" pitchFamily="34" charset="0"/>
+                  </a:rPr>
+                  <a:t>iterations used to compute an approximate </a:t>
+                </a:r>
+                <a14:m>
+                  <m:oMath xmlns:m="http://schemas.openxmlformats.org/officeDocument/2006/math">
+                    <m:r>
+                      <a:rPr lang="en-US" sz="3200" i="1">
+                        <a:latin typeface="Cambria Math" panose="02040503050406030204" pitchFamily="18" charset="0"/>
+                      </a:rPr>
+                      <m:t>𝜆</m:t>
+                    </m:r>
+                  </m:oMath>
+                </a14:m>
+                <a:endParaRPr lang="en-US" sz="3600" b="1" dirty="0">
+                  <a:latin typeface=""/>
+                </a:endParaRPr>
+              </a:p>
+              <a:p>
+                <a:pPr marL="1371600" lvl="2" indent="-457200">
+                  <a:buFont typeface="Arial" panose="020B0604020202020204" pitchFamily="34" charset="0"/>
+                  <a:buChar char="•"/>
+                </a:pPr>
+                <a:r>
+                  <a:rPr lang="en-US" sz="3200" dirty="0">
+                    <a:latin typeface="Open Sans" panose="020B0606030504020204" pitchFamily="34" charset="0"/>
+                    <a:ea typeface="Open Sans" panose="020B0606030504020204" pitchFamily="34" charset="0"/>
+                    <a:cs typeface="Open Sans" panose="020B0606030504020204" pitchFamily="34" charset="0"/>
+                  </a:rPr>
+                  <a:t>Can take advantage of SIMD operations</a:t>
+                </a:r>
+                <a:br>
+                  <a:rPr lang="en-US" sz="3600" b="1" dirty="0">
+                    <a:latin typeface=""/>
+                  </a:rPr>
+                </a:br>
+                <a:endParaRPr lang="en-US" sz="3600" b="1" dirty="0">
+                  <a:latin typeface=""/>
+                </a:endParaRPr>
+              </a:p>
+            </p:txBody>
+          </p:sp>
+        </mc:Choice>
+        <mc:Fallback>
+          <p:sp>
+            <p:nvSpPr>
+              <p:cNvPr id="19" name="TextBox 18">
+                <a:extLst>
+                  <a:ext uri="{FF2B5EF4-FFF2-40B4-BE49-F238E27FC236}">
+                    <a16:creationId xmlns:a16="http://schemas.microsoft.com/office/drawing/2014/main" id="{C3B1A2A6-D44D-F243-BA18-4C51E3DFC039}"/>
+                  </a:ext>
+                </a:extLst>
+              </p:cNvPr>
+              <p:cNvSpPr txBox="1">
+                <a:spLocks noRot="1" noChangeAspect="1" noMove="1" noResize="1" noEditPoints="1" noAdjustHandles="1" noChangeArrowheads="1" noChangeShapeType="1" noTextEdit="1"/>
+              </p:cNvSpPr>
+              <p:nvPr/>
+            </p:nvSpPr>
+            <p:spPr>
+              <a:xfrm>
+                <a:off x="887225" y="25638100"/>
+                <a:ext cx="12168373" cy="4945328"/>
+              </a:xfrm>
+              <a:prstGeom prst="rect">
+                <a:avLst/>
+              </a:prstGeom>
+              <a:blipFill>
+                <a:blip r:embed="rId12"/>
+                <a:stretch>
+                  <a:fillRect/>
+                </a:stretch>
+              </a:blipFill>
+            </p:spPr>
+            <p:txBody>
+              <a:bodyPr/>
+              <a:lstStyle/>
+              <a:p>
+                <a:r>
+                  <a:rPr lang="en-US">
+                    <a:noFill/>
+                  </a:rPr>
+                  <a:t> </a:t>
+                </a:r>
+              </a:p>
+            </p:txBody>
+          </p:sp>
+        </mc:Fallback>
+      </mc:AlternateContent>
       <p:sp>
         <p:nvSpPr>
           <p:cNvPr id="23" name="TextBox 22">
@@ -3722,8 +4317,8 @@
         </p:nvSpPr>
         <p:spPr>
           <a:xfrm>
-            <a:off x="32259866" y="15148266"/>
-            <a:ext cx="10363200" cy="3046988"/>
+            <a:off x="32207787" y="20995532"/>
+            <a:ext cx="10311123" cy="2062103"/>
           </a:xfrm>
           <a:prstGeom prst="rect">
             <a:avLst/>
@@ -3736,61 +4331,439 @@
           </a:bodyPr>
           <a:lstStyle/>
           <a:p>
-            <a:r>
-              <a:rPr lang="en-US" sz="4800" b="1" dirty="0"/>
-              <a:t>Future Work</a:t>
-            </a:r>
-            <a:br>
-              <a:rPr lang="en-US" sz="4800" b="1" dirty="0"/>
-            </a:br>
-            <a:endParaRPr lang="en-US" sz="3600" b="1" dirty="0">
-              <a:latin typeface=""/>
-            </a:endParaRPr>
-          </a:p>
-          <a:p>
-            <a:pPr marL="571500" indent="-571500">
-              <a:buFontTx/>
-              <a:buChar char="-"/>
+            <a:pPr marL="914400" lvl="1" indent="-457200">
+              <a:buFont typeface="Arial" panose="020B0604020202020204" pitchFamily="34" charset="0"/>
+              <a:buChar char="•"/>
             </a:pPr>
             <a:r>
-              <a:rPr lang="en-US" sz="3600" dirty="0">
-                <a:latin typeface=""/>
+              <a:rPr lang="en-US" sz="3200" dirty="0">
+                <a:latin typeface="Open Sans" panose="020B0606030504020204" pitchFamily="34" charset="0"/>
+                <a:ea typeface="Open Sans" panose="020B0606030504020204" pitchFamily="34" charset="0"/>
+                <a:cs typeface="Open Sans" panose="020B0606030504020204" pitchFamily="34" charset="0"/>
               </a:rPr>
-              <a:t>Linear Approximations</a:t>
-            </a:r>
-          </a:p>
-          <a:p>
-            <a:pPr marL="571500" indent="-571500">
-              <a:buFontTx/>
-              <a:buChar char="-"/>
+              <a:t>Improve upon the linear approximation</a:t>
+            </a:r>
+          </a:p>
+          <a:p>
+            <a:pPr marL="914400" lvl="1" indent="-457200">
+              <a:buFont typeface="Arial" panose="020B0604020202020204" pitchFamily="34" charset="0"/>
+              <a:buChar char="•"/>
             </a:pPr>
             <a:r>
-              <a:rPr lang="en-US" sz="3600" dirty="0">
-                <a:latin typeface=""/>
+              <a:rPr lang="en-US" sz="3200" dirty="0">
+                <a:latin typeface="Open Sans" panose="020B0606030504020204" pitchFamily="34" charset="0"/>
+                <a:ea typeface="Open Sans" panose="020B0606030504020204" pitchFamily="34" charset="0"/>
+                <a:cs typeface="Open Sans" panose="020B0606030504020204" pitchFamily="34" charset="0"/>
               </a:rPr>
-              <a:t>Proof of Convergence</a:t>
-            </a:r>
-          </a:p>
-          <a:p>
-            <a:pPr marL="571500" indent="-571500">
-              <a:buFontTx/>
-              <a:buChar char="-"/>
+              <a:t>Show proof of conjecture related to convergence</a:t>
+            </a:r>
+          </a:p>
+          <a:p>
+            <a:pPr marL="914400" lvl="1" indent="-457200">
+              <a:buFont typeface="Arial" panose="020B0604020202020204" pitchFamily="34" charset="0"/>
+              <a:buChar char="•"/>
             </a:pPr>
             <a:r>
-              <a:rPr lang="en-US" sz="3600" dirty="0">
-                <a:latin typeface=""/>
+              <a:rPr lang="en-US" sz="3200" dirty="0">
+                <a:latin typeface="Open Sans" panose="020B0606030504020204" pitchFamily="34" charset="0"/>
+                <a:ea typeface="Open Sans" panose="020B0606030504020204" pitchFamily="34" charset="0"/>
+                <a:cs typeface="Open Sans" panose="020B0606030504020204" pitchFamily="34" charset="0"/>
               </a:rPr>
-              <a:t>Linear Operators</a:t>
-            </a:r>
-          </a:p>
-        </p:txBody>
-      </p:sp>
-      <p:sp>
-        <p:nvSpPr>
-          <p:cNvPr id="28" name="TextBox 27">
+              <a:t>Linear operators efficiency investigation</a:t>
+            </a:r>
+          </a:p>
+        </p:txBody>
+      </p:sp>
+      <mc:AlternateContent xmlns:mc="http://schemas.openxmlformats.org/markup-compatibility/2006">
+        <mc:Choice xmlns:a14="http://schemas.microsoft.com/office/drawing/2010/main" Requires="a14">
+          <p:sp>
+            <p:nvSpPr>
+              <p:cNvPr id="28" name="TextBox 27">
+                <a:extLst>
+                  <a:ext uri="{FF2B5EF4-FFF2-40B4-BE49-F238E27FC236}">
+                    <a16:creationId xmlns:a16="http://schemas.microsoft.com/office/drawing/2014/main" id="{952FEA8B-9576-F844-855B-4525E8639965}"/>
+                  </a:ext>
+                </a:extLst>
+              </p:cNvPr>
+              <p:cNvSpPr txBox="1"/>
+              <p:nvPr/>
+            </p:nvSpPr>
+            <p:spPr>
+              <a:xfrm>
+                <a:off x="32205092" y="6594253"/>
+                <a:ext cx="10311123" cy="4031873"/>
+              </a:xfrm>
+              <a:prstGeom prst="rect">
+                <a:avLst/>
+              </a:prstGeom>
+              <a:noFill/>
+            </p:spPr>
+            <p:txBody>
+              <a:bodyPr wrap="square" rtlCol="0">
+                <a:spAutoFit/>
+              </a:bodyPr>
+              <a:lstStyle/>
+              <a:p>
+                <a:pPr marL="914400" lvl="1" indent="-457200">
+                  <a:buFont typeface="Arial" panose="020B0604020202020204" pitchFamily="34" charset="0"/>
+                  <a:buChar char="•"/>
+                </a:pPr>
+                <a:r>
+                  <a:rPr lang="en-US" sz="3200" dirty="0">
+                    <a:latin typeface="Open Sans" panose="020B0606030504020204" pitchFamily="34" charset="0"/>
+                    <a:ea typeface="Open Sans" panose="020B0606030504020204" pitchFamily="34" charset="0"/>
+                    <a:cs typeface="Open Sans" panose="020B0606030504020204" pitchFamily="34" charset="0"/>
+                  </a:rPr>
+                  <a:t>Piecewise linear approx. of the logistic equation</a:t>
+                </a:r>
+              </a:p>
+              <a:p>
+                <a:pPr marL="914400" lvl="1" indent="-457200">
+                  <a:buFont typeface="Arial" panose="020B0604020202020204" pitchFamily="34" charset="0"/>
+                  <a:buChar char="•"/>
+                </a:pPr>
+                <a:r>
+                  <a:rPr lang="en-US" sz="3200" dirty="0">
+                    <a:latin typeface="Open Sans" panose="020B0606030504020204" pitchFamily="34" charset="0"/>
+                    <a:ea typeface="Open Sans" panose="020B0606030504020204" pitchFamily="34" charset="0"/>
+                    <a:cs typeface="Open Sans" panose="020B0606030504020204" pitchFamily="34" charset="0"/>
+                  </a:rPr>
+                  <a:t>Use a pre-image of all lines in the approx.</a:t>
+                </a:r>
+              </a:p>
+              <a:p>
+                <a:pPr marL="914400" lvl="1" indent="-457200">
+                  <a:buFont typeface="Arial" panose="020B0604020202020204" pitchFamily="34" charset="0"/>
+                  <a:buChar char="•"/>
+                </a:pPr>
+                <a:r>
+                  <a:rPr lang="en-US" sz="3200" dirty="0">
+                    <a:latin typeface="Open Sans" panose="020B0606030504020204" pitchFamily="34" charset="0"/>
+                    <a:ea typeface="Open Sans" panose="020B0606030504020204" pitchFamily="34" charset="0"/>
+                    <a:cs typeface="Open Sans" panose="020B0606030504020204" pitchFamily="34" charset="0"/>
+                  </a:rPr>
+                  <a:t>Use the pre-images as</a:t>
+                </a:r>
+                <a:r>
+                  <a:rPr lang="en-US" sz="3200" b="1" dirty="0">
+                    <a:latin typeface="Open Sans" panose="020B0606030504020204" pitchFamily="34" charset="0"/>
+                    <a:ea typeface="Open Sans" panose="020B0606030504020204" pitchFamily="34" charset="0"/>
+                    <a:cs typeface="Open Sans" panose="020B0606030504020204" pitchFamily="34" charset="0"/>
+                  </a:rPr>
+                  <a:t> </a:t>
+                </a:r>
+                <a:r>
+                  <a:rPr lang="en-US" sz="3200" dirty="0">
+                    <a:latin typeface="Open Sans" panose="020B0606030504020204" pitchFamily="34" charset="0"/>
+                    <a:ea typeface="Open Sans" panose="020B0606030504020204" pitchFamily="34" charset="0"/>
+                    <a:cs typeface="Open Sans" panose="020B0606030504020204" pitchFamily="34" charset="0"/>
+                  </a:rPr>
+                  <a:t>invariant </a:t>
+                </a:r>
+                <a:r>
+                  <a:rPr lang="en-US" sz="3200" b="1" dirty="0">
+                    <a:latin typeface="Open Sans" panose="020B0606030504020204" pitchFamily="34" charset="0"/>
+                    <a:ea typeface="Open Sans" panose="020B0606030504020204" pitchFamily="34" charset="0"/>
+                    <a:cs typeface="Open Sans" panose="020B0606030504020204" pitchFamily="34" charset="0"/>
+                  </a:rPr>
+                  <a:t>measures</a:t>
+                </a:r>
+                <a:r>
+                  <a:rPr lang="en-US" sz="3200" dirty="0">
+                    <a:latin typeface="Open Sans" panose="020B0606030504020204" pitchFamily="34" charset="0"/>
+                    <a:ea typeface="Open Sans" panose="020B0606030504020204" pitchFamily="34" charset="0"/>
+                    <a:cs typeface="Open Sans" panose="020B0606030504020204" pitchFamily="34" charset="0"/>
+                  </a:rPr>
+                  <a:t> of the contribution of each line segment to </a:t>
+                </a:r>
+                <a14:m>
+                  <m:oMath xmlns:m="http://schemas.openxmlformats.org/officeDocument/2006/math">
+                    <m:r>
+                      <a:rPr lang="en-US" sz="3200" b="0" i="1" smtClean="0">
+                        <a:latin typeface="Cambria Math" panose="02040503050406030204" pitchFamily="18" charset="0"/>
+                      </a:rPr>
+                      <m:t>𝜆</m:t>
+                    </m:r>
+                  </m:oMath>
+                </a14:m>
+                <a:endParaRPr lang="en-US" sz="3200" dirty="0">
+                  <a:latin typeface="Open Sans" panose="020B0606030504020204" pitchFamily="34" charset="0"/>
+                  <a:ea typeface="Open Sans" panose="020B0606030504020204" pitchFamily="34" charset="0"/>
+                  <a:cs typeface="Open Sans" panose="020B0606030504020204" pitchFamily="34" charset="0"/>
+                </a:endParaRPr>
+              </a:p>
+              <a:p>
+                <a:pPr marL="914400" lvl="1" indent="-457200">
+                  <a:buFont typeface="Arial" panose="020B0604020202020204" pitchFamily="34" charset="0"/>
+                  <a:buChar char="•"/>
+                </a:pPr>
+                <a:r>
+                  <a:rPr lang="en-US" sz="3200" dirty="0">
+                    <a:latin typeface="Open Sans" panose="020B0606030504020204" pitchFamily="34" charset="0"/>
+                    <a:ea typeface="Open Sans" panose="020B0606030504020204" pitchFamily="34" charset="0"/>
+                    <a:cs typeface="Open Sans" panose="020B0606030504020204" pitchFamily="34" charset="0"/>
+                  </a:rPr>
+                  <a:t>Solve </a:t>
+                </a:r>
+                <a14:m>
+                  <m:oMath xmlns:m="http://schemas.openxmlformats.org/officeDocument/2006/math">
+                    <m:r>
+                      <a:rPr lang="en-US" sz="3200" b="1" i="1" smtClean="0">
+                        <a:latin typeface="Cambria Math" panose="02040503050406030204" pitchFamily="18" charset="0"/>
+                        <a:ea typeface="Open Sans" panose="020B0606030504020204" pitchFamily="34" charset="0"/>
+                        <a:cs typeface="Open Sans" panose="020B0606030504020204" pitchFamily="34" charset="0"/>
+                      </a:rPr>
+                      <m:t>𝑨𝒙</m:t>
+                    </m:r>
+                    <m:r>
+                      <a:rPr lang="en-US" sz="3200" b="1" i="1" smtClean="0">
+                        <a:latin typeface="Cambria Math" panose="02040503050406030204" pitchFamily="18" charset="0"/>
+                        <a:ea typeface="Open Sans" panose="020B0606030504020204" pitchFamily="34" charset="0"/>
+                        <a:cs typeface="Open Sans" panose="020B0606030504020204" pitchFamily="34" charset="0"/>
+                      </a:rPr>
+                      <m:t>=</m:t>
+                    </m:r>
+                    <m:r>
+                      <a:rPr lang="en-US" sz="3200" b="1" i="1" smtClean="0">
+                        <a:latin typeface="Cambria Math" panose="02040503050406030204" pitchFamily="18" charset="0"/>
+                        <a:ea typeface="Open Sans" panose="020B0606030504020204" pitchFamily="34" charset="0"/>
+                        <a:cs typeface="Open Sans" panose="020B0606030504020204" pitchFamily="34" charset="0"/>
+                      </a:rPr>
+                      <m:t>𝟎</m:t>
+                    </m:r>
+                  </m:oMath>
+                </a14:m>
+                <a:r>
+                  <a:rPr lang="en-US" sz="3200" b="1" dirty="0">
+                    <a:latin typeface="Open Sans" panose="020B0606030504020204" pitchFamily="34" charset="0"/>
+                    <a:ea typeface="Open Sans" panose="020B0606030504020204" pitchFamily="34" charset="0"/>
+                    <a:cs typeface="Open Sans" panose="020B0606030504020204" pitchFamily="34" charset="0"/>
+                  </a:rPr>
+                  <a:t> </a:t>
+                </a:r>
+                <a:r>
+                  <a:rPr lang="en-US" sz="3200" dirty="0">
+                    <a:latin typeface="Open Sans" panose="020B0606030504020204" pitchFamily="34" charset="0"/>
+                    <a:ea typeface="Open Sans" panose="020B0606030504020204" pitchFamily="34" charset="0"/>
+                    <a:cs typeface="Open Sans" panose="020B0606030504020204" pitchFamily="34" charset="0"/>
+                  </a:rPr>
+                  <a:t>to acquire </a:t>
+                </a:r>
+                <a:r>
+                  <a:rPr lang="en-US" sz="3200" b="1" dirty="0">
+                    <a:latin typeface="Open Sans" panose="020B0606030504020204" pitchFamily="34" charset="0"/>
+                    <a:ea typeface="Open Sans" panose="020B0606030504020204" pitchFamily="34" charset="0"/>
+                    <a:cs typeface="Open Sans" panose="020B0606030504020204" pitchFamily="34" charset="0"/>
+                  </a:rPr>
+                  <a:t>weights</a:t>
+                </a:r>
+              </a:p>
+              <a:p>
+                <a:pPr marL="914400" lvl="1" indent="-457200">
+                  <a:buFont typeface="Arial" panose="020B0604020202020204" pitchFamily="34" charset="0"/>
+                  <a:buChar char="•"/>
+                </a:pPr>
+                <a14:m>
+                  <m:oMath xmlns:m="http://schemas.openxmlformats.org/officeDocument/2006/math">
+                    <m:r>
+                      <a:rPr lang="en-US" sz="3200" b="1" i="1" smtClean="0">
+                        <a:latin typeface="Cambria Math" panose="02040503050406030204" pitchFamily="18" charset="0"/>
+                        <a:ea typeface="Open Sans" panose="020B0606030504020204" pitchFamily="34" charset="0"/>
+                        <a:cs typeface="Open Sans" panose="020B0606030504020204" pitchFamily="34" charset="0"/>
+                      </a:rPr>
+                      <m:t>𝑨</m:t>
+                    </m:r>
+                  </m:oMath>
+                </a14:m>
+                <a:r>
+                  <a:rPr lang="en-US" sz="3200" dirty="0">
+                    <a:latin typeface="Open Sans" panose="020B0606030504020204" pitchFamily="34" charset="0"/>
+                    <a:ea typeface="Open Sans" panose="020B0606030504020204" pitchFamily="34" charset="0"/>
+                    <a:cs typeface="Open Sans" panose="020B0606030504020204" pitchFamily="34" charset="0"/>
+                  </a:rPr>
+                  <a:t> is a square matrix</a:t>
+                </a:r>
+                <a:r>
+                  <a:rPr lang="en-US" sz="3200" i="1" dirty="0">
+                    <a:latin typeface="Open Sans" panose="020B0606030504020204" pitchFamily="34" charset="0"/>
+                    <a:ea typeface="Open Sans" panose="020B0606030504020204" pitchFamily="34" charset="0"/>
+                    <a:cs typeface="Open Sans" panose="020B0606030504020204" pitchFamily="34" charset="0"/>
+                  </a:rPr>
+                  <a:t> </a:t>
+                </a:r>
+                <a:r>
+                  <a:rPr lang="en-US" sz="3200" dirty="0">
+                    <a:latin typeface="Open Sans" panose="020B0606030504020204" pitchFamily="34" charset="0"/>
+                    <a:ea typeface="Open Sans" panose="020B0606030504020204" pitchFamily="34" charset="0"/>
+                    <a:cs typeface="Open Sans" panose="020B0606030504020204" pitchFamily="34" charset="0"/>
+                  </a:rPr>
+                  <a:t>of size </a:t>
+                </a:r>
+                <a14:m>
+                  <m:oMath xmlns:m="http://schemas.openxmlformats.org/officeDocument/2006/math">
+                    <m:r>
+                      <a:rPr lang="en-US" sz="3200" b="0" i="1" smtClean="0">
+                        <a:latin typeface="Cambria Math" panose="02040503050406030204" pitchFamily="18" charset="0"/>
+                        <a:ea typeface="Open Sans" panose="020B0606030504020204" pitchFamily="34" charset="0"/>
+                        <a:cs typeface="Open Sans" panose="020B0606030504020204" pitchFamily="34" charset="0"/>
+                      </a:rPr>
+                      <m:t>𝑛</m:t>
+                    </m:r>
+                    <m:r>
+                      <a:rPr lang="en-US" sz="3200" b="0" i="1" smtClean="0">
+                        <a:latin typeface="Cambria Math" panose="02040503050406030204" pitchFamily="18" charset="0"/>
+                        <a:ea typeface="Open Sans" panose="020B0606030504020204" pitchFamily="34" charset="0"/>
+                        <a:cs typeface="Open Sans" panose="020B0606030504020204" pitchFamily="34" charset="0"/>
+                      </a:rPr>
+                      <m:t>×</m:t>
+                    </m:r>
+                    <m:r>
+                      <a:rPr lang="en-US" sz="3200" b="0" i="1" smtClean="0">
+                        <a:latin typeface="Cambria Math" panose="02040503050406030204" pitchFamily="18" charset="0"/>
+                        <a:ea typeface="Open Sans" panose="020B0606030504020204" pitchFamily="34" charset="0"/>
+                        <a:cs typeface="Open Sans" panose="020B0606030504020204" pitchFamily="34" charset="0"/>
+                      </a:rPr>
+                      <m:t>𝑛</m:t>
+                    </m:r>
+                    <m:r>
+                      <a:rPr lang="en-US" sz="3200" b="0" i="1" smtClean="0">
+                        <a:latin typeface="Cambria Math" panose="02040503050406030204" pitchFamily="18" charset="0"/>
+                        <a:ea typeface="Open Sans" panose="020B0606030504020204" pitchFamily="34" charset="0"/>
+                        <a:cs typeface="Open Sans" panose="020B0606030504020204" pitchFamily="34" charset="0"/>
+                      </a:rPr>
+                      <m:t> </m:t>
+                    </m:r>
+                  </m:oMath>
+                </a14:m>
+                <a:r>
+                  <a:rPr lang="en-US" sz="3200" dirty="0">
+                    <a:latin typeface="Open Sans" panose="020B0606030504020204" pitchFamily="34" charset="0"/>
+                    <a:ea typeface="Open Sans" panose="020B0606030504020204" pitchFamily="34" charset="0"/>
+                    <a:cs typeface="Open Sans" panose="020B0606030504020204" pitchFamily="34" charset="0"/>
+                  </a:rPr>
+                  <a:t>where </a:t>
+                </a:r>
+                <a14:m>
+                  <m:oMath xmlns:m="http://schemas.openxmlformats.org/officeDocument/2006/math">
+                    <m:r>
+                      <a:rPr lang="en-US" sz="3200" i="1">
+                        <a:latin typeface="Cambria Math" panose="02040503050406030204" pitchFamily="18" charset="0"/>
+                        <a:ea typeface="Open Sans" panose="020B0606030504020204" pitchFamily="34" charset="0"/>
+                        <a:cs typeface="Open Sans" panose="020B0606030504020204" pitchFamily="34" charset="0"/>
+                      </a:rPr>
+                      <m:t>𝑛</m:t>
+                    </m:r>
+                  </m:oMath>
+                </a14:m>
+                <a:r>
+                  <a:rPr lang="en-US" sz="3200" dirty="0">
+                    <a:latin typeface="Open Sans" panose="020B0606030504020204" pitchFamily="34" charset="0"/>
+                    <a:ea typeface="Open Sans" panose="020B0606030504020204" pitchFamily="34" charset="0"/>
+                    <a:cs typeface="Open Sans" panose="020B0606030504020204" pitchFamily="34" charset="0"/>
+                  </a:rPr>
+                  <a:t> is the number of line segments in the approximation</a:t>
+                </a:r>
+              </a:p>
+              <a:p>
+                <a:pPr marL="914400" lvl="1" indent="-457200">
+                  <a:buFont typeface="Arial" panose="020B0604020202020204" pitchFamily="34" charset="0"/>
+                  <a:buChar char="•"/>
+                </a:pPr>
+                <a:r>
+                  <a:rPr lang="en-US" sz="3200" dirty="0">
+                    <a:latin typeface="Open Sans" panose="020B0606030504020204" pitchFamily="34" charset="0"/>
+                    <a:ea typeface="Open Sans" panose="020B0606030504020204" pitchFamily="34" charset="0"/>
+                    <a:cs typeface="Open Sans" panose="020B0606030504020204" pitchFamily="34" charset="0"/>
+                  </a:rPr>
+                  <a:t>Use </a:t>
+                </a:r>
+                <a:r>
+                  <a:rPr lang="en-US" sz="3200" b="1" dirty="0">
+                    <a:latin typeface="Open Sans" panose="020B0606030504020204" pitchFamily="34" charset="0"/>
+                    <a:ea typeface="Open Sans" panose="020B0606030504020204" pitchFamily="34" charset="0"/>
+                    <a:cs typeface="Open Sans" panose="020B0606030504020204" pitchFamily="34" charset="0"/>
+                  </a:rPr>
+                  <a:t>weights</a:t>
+                </a:r>
+                <a:r>
+                  <a:rPr lang="en-US" sz="3200" dirty="0">
+                    <a:latin typeface="Open Sans" panose="020B0606030504020204" pitchFamily="34" charset="0"/>
+                    <a:ea typeface="Open Sans" panose="020B0606030504020204" pitchFamily="34" charset="0"/>
+                    <a:cs typeface="Open Sans" panose="020B0606030504020204" pitchFamily="34" charset="0"/>
+                  </a:rPr>
+                  <a:t> to analytically compute </a:t>
+                </a:r>
+                <a14:m>
+                  <m:oMath xmlns:m="http://schemas.openxmlformats.org/officeDocument/2006/math">
+                    <m:r>
+                      <a:rPr lang="en-US" sz="3200" b="0" i="1" smtClean="0">
+                        <a:latin typeface="Cambria Math" panose="02040503050406030204" pitchFamily="18" charset="0"/>
+                      </a:rPr>
+                      <m:t>𝜆</m:t>
+                    </m:r>
+                  </m:oMath>
+                </a14:m>
+                <a:r>
+                  <a:rPr lang="en-US" sz="3200" b="0" dirty="0">
+                    <a:latin typeface="Open Sans" panose="020B0606030504020204" pitchFamily="34" charset="0"/>
+                  </a:rPr>
+                  <a:t> </a:t>
+                </a:r>
+              </a:p>
+            </p:txBody>
+          </p:sp>
+        </mc:Choice>
+        <mc:Fallback>
+          <p:sp>
+            <p:nvSpPr>
+              <p:cNvPr id="28" name="TextBox 27">
+                <a:extLst>
+                  <a:ext uri="{FF2B5EF4-FFF2-40B4-BE49-F238E27FC236}">
+                    <a16:creationId xmlns:a16="http://schemas.microsoft.com/office/drawing/2014/main" id="{952FEA8B-9576-F844-855B-4525E8639965}"/>
+                  </a:ext>
+                </a:extLst>
+              </p:cNvPr>
+              <p:cNvSpPr txBox="1">
+                <a:spLocks noRot="1" noChangeAspect="1" noMove="1" noResize="1" noEditPoints="1" noAdjustHandles="1" noChangeArrowheads="1" noChangeShapeType="1" noTextEdit="1"/>
+              </p:cNvSpPr>
+              <p:nvPr/>
+            </p:nvSpPr>
+            <p:spPr>
+              <a:xfrm>
+                <a:off x="32205092" y="6594253"/>
+                <a:ext cx="10311123" cy="4031873"/>
+              </a:xfrm>
+              <a:prstGeom prst="rect">
+                <a:avLst/>
+              </a:prstGeom>
+              <a:blipFill>
+                <a:blip r:embed="rId13"/>
+                <a:stretch>
+                  <a:fillRect t="-1967" b="-4085"/>
+                </a:stretch>
+              </a:blipFill>
+            </p:spPr>
+            <p:txBody>
+              <a:bodyPr/>
+              <a:lstStyle/>
+              <a:p>
+                <a:r>
+                  <a:rPr lang="en-US">
+                    <a:noFill/>
+                  </a:rPr>
+                  <a:t> </a:t>
+                </a:r>
+              </a:p>
+            </p:txBody>
+          </p:sp>
+        </mc:Fallback>
+      </mc:AlternateContent>
+      <p:sp>
+        <p:nvSpPr>
+          <p:cNvPr id="21" name="TextBox 20">
             <a:extLst>
               <a:ext uri="{FF2B5EF4-FFF2-40B4-BE49-F238E27FC236}">
-                <a16:creationId xmlns:a16="http://schemas.microsoft.com/office/drawing/2014/main" id="{952FEA8B-9576-F844-855B-4525E8639965}"/>
+                <a16:creationId xmlns:a16="http://schemas.microsoft.com/office/drawing/2014/main" id="{A7C2F475-B409-481E-84F5-4C7B2852FC96}"/>
               </a:ext>
             </a:extLst>
           </p:cNvPr>
@@ -3799,8 +4772,8 @@
         </p:nvSpPr>
         <p:spPr>
           <a:xfrm>
-            <a:off x="32259866" y="6499294"/>
-            <a:ext cx="10655591" cy="3970318"/>
+            <a:off x="32207788" y="17642098"/>
+            <a:ext cx="10363198" cy="1569660"/>
           </a:xfrm>
           <a:prstGeom prst="rect">
             <a:avLst/>
@@ -3813,25 +4786,617 @@
           </a:bodyPr>
           <a:lstStyle/>
           <a:p>
-            <a:r>
-              <a:rPr lang="en-US" sz="4800" b="1" dirty="0"/>
-              <a:t>Piecewise Linear Approximations with Invariant Measures</a:t>
-            </a:r>
-            <a:br>
-              <a:rPr lang="en-US" sz="4800" b="1" dirty="0"/>
-            </a:br>
-            <a:br>
-              <a:rPr lang="en-US" sz="4800" b="1" dirty="0"/>
-            </a:br>
-            <a:r>
-              <a:rPr lang="en-US" sz="3600" dirty="0"/>
-              <a:t>- solving using a system of equations generated f</a:t>
-            </a:r>
-            <a:r>
-              <a:rPr lang="en-US" sz="3600" b="1" dirty="0"/>
-              <a:t>rom the piecewise linear approximation of the logistic curve.</a:t>
-            </a:r>
-            <a:endParaRPr lang="en-US" sz="4800" b="1" dirty="0"/>
+            <a:pPr marL="1028700" lvl="1" indent="-571500">
+              <a:buFont typeface="Arial" panose="020B0604020202020204" pitchFamily="34" charset="0"/>
+              <a:buChar char="•"/>
+            </a:pPr>
+            <a:r>
+              <a:rPr lang="en-US" sz="3200" dirty="0">
+                <a:latin typeface="Open Sans" panose="020B0606030504020204" pitchFamily="34" charset="0"/>
+                <a:ea typeface="Open Sans" panose="020B0606030504020204" pitchFamily="34" charset="0"/>
+                <a:cs typeface="Open Sans" panose="020B0606030504020204" pitchFamily="34" charset="0"/>
+              </a:rPr>
+              <a:t>Shows rough convergence to iterative solution</a:t>
+            </a:r>
+          </a:p>
+          <a:p>
+            <a:pPr marL="1028700" lvl="1" indent="-571500">
+              <a:buFont typeface="Arial" panose="020B0604020202020204" pitchFamily="34" charset="0"/>
+              <a:buChar char="•"/>
+            </a:pPr>
+            <a:r>
+              <a:rPr lang="en-US" sz="3200" dirty="0">
+                <a:latin typeface="Open Sans" panose="020B0606030504020204" pitchFamily="34" charset="0"/>
+                <a:ea typeface="Open Sans" panose="020B0606030504020204" pitchFamily="34" charset="0"/>
+                <a:cs typeface="Open Sans" panose="020B0606030504020204" pitchFamily="34" charset="0"/>
+              </a:rPr>
+              <a:t>Slower than iterative computations</a:t>
+            </a:r>
+          </a:p>
+          <a:p>
+            <a:pPr marL="1028700" lvl="1" indent="-571500">
+              <a:buFont typeface="Arial" panose="020B0604020202020204" pitchFamily="34" charset="0"/>
+              <a:buChar char="•"/>
+            </a:pPr>
+            <a:r>
+              <a:rPr lang="en-US" sz="3200" dirty="0">
+                <a:latin typeface="Open Sans" panose="020B0606030504020204" pitchFamily="34" charset="0"/>
+                <a:ea typeface="Open Sans" panose="020B0606030504020204" pitchFamily="34" charset="0"/>
+                <a:cs typeface="Open Sans" panose="020B0606030504020204" pitchFamily="34" charset="0"/>
+              </a:rPr>
+              <a:t>Gives evidence to conjecture</a:t>
+            </a:r>
+          </a:p>
+        </p:txBody>
+      </p:sp>
+      <p:sp>
+        <p:nvSpPr>
+          <p:cNvPr id="3" name="TextBox 2">
+            <a:extLst>
+              <a:ext uri="{FF2B5EF4-FFF2-40B4-BE49-F238E27FC236}">
+                <a16:creationId xmlns:a16="http://schemas.microsoft.com/office/drawing/2014/main" id="{CB9DB863-C2BB-4C7F-98D0-9372EE479544}"/>
+              </a:ext>
+            </a:extLst>
+          </p:cNvPr>
+          <p:cNvSpPr txBox="1"/>
+          <p:nvPr/>
+        </p:nvSpPr>
+        <p:spPr>
+          <a:xfrm>
+            <a:off x="32207788" y="16242106"/>
+            <a:ext cx="10311123" cy="830997"/>
+          </a:xfrm>
+          <a:prstGeom prst="rect">
+            <a:avLst/>
+          </a:prstGeom>
+          <a:solidFill>
+            <a:srgbClr val="800000"/>
+          </a:solidFill>
+          <a:ln>
+            <a:noFill/>
+          </a:ln>
+          <a:effectLst>
+            <a:outerShdw blurRad="190500" dist="228600" dir="2700000" algn="ctr">
+              <a:srgbClr val="000000">
+                <a:alpha val="30000"/>
+              </a:srgbClr>
+            </a:outerShdw>
+          </a:effectLst>
+          <a:scene3d>
+            <a:camera prst="orthographicFront">
+              <a:rot lat="0" lon="0" rev="0"/>
+            </a:camera>
+            <a:lightRig rig="glow" dir="t">
+              <a:rot lat="0" lon="0" rev="4800000"/>
+            </a:lightRig>
+          </a:scene3d>
+          <a:sp3d prstMaterial="matte">
+            <a:bevelT w="127000" h="63500"/>
+          </a:sp3d>
+        </p:spPr>
+        <p:style>
+          <a:lnRef idx="0">
+            <a:scrgbClr r="0" g="0" b="0"/>
+          </a:lnRef>
+          <a:fillRef idx="0">
+            <a:scrgbClr r="0" g="0" b="0"/>
+          </a:fillRef>
+          <a:effectRef idx="0">
+            <a:scrgbClr r="0" g="0" b="0"/>
+          </a:effectRef>
+          <a:fontRef idx="minor">
+            <a:schemeClr val="lt1"/>
+          </a:fontRef>
+        </p:style>
+        <p:txBody>
+          <a:bodyPr wrap="square" rtlCol="0">
+            <a:spAutoFit/>
+          </a:bodyPr>
+          <a:lstStyle/>
+          <a:p>
+            <a:pPr algn="ctr"/>
+            <a:r>
+              <a:rPr lang="en-US" sz="4800" dirty="0">
+                <a:ln w="0"/>
+                <a:solidFill>
+                  <a:schemeClr val="bg1"/>
+                </a:solidFill>
+                <a:effectLst>
+                  <a:outerShdw blurRad="38100" dist="19050" dir="2700000" algn="tl" rotWithShape="0">
+                    <a:schemeClr val="dk1">
+                      <a:alpha val="40000"/>
+                    </a:schemeClr>
+                  </a:outerShdw>
+                </a:effectLst>
+              </a:rPr>
+              <a:t>Conclusions</a:t>
+            </a:r>
+          </a:p>
+        </p:txBody>
+      </p:sp>
+      <p:sp>
+        <p:nvSpPr>
+          <p:cNvPr id="30" name="TextBox 29">
+            <a:extLst>
+              <a:ext uri="{FF2B5EF4-FFF2-40B4-BE49-F238E27FC236}">
+                <a16:creationId xmlns:a16="http://schemas.microsoft.com/office/drawing/2014/main" id="{56574790-8080-4BFF-BF12-FF3975A58196}"/>
+              </a:ext>
+            </a:extLst>
+          </p:cNvPr>
+          <p:cNvSpPr txBox="1"/>
+          <p:nvPr/>
+        </p:nvSpPr>
+        <p:spPr>
+          <a:xfrm>
+            <a:off x="32205094" y="19688146"/>
+            <a:ext cx="10311123" cy="830997"/>
+          </a:xfrm>
+          <a:prstGeom prst="rect">
+            <a:avLst/>
+          </a:prstGeom>
+          <a:solidFill>
+            <a:srgbClr val="800000"/>
+          </a:solidFill>
+          <a:ln>
+            <a:noFill/>
+          </a:ln>
+          <a:effectLst>
+            <a:outerShdw blurRad="190500" dist="228600" dir="2700000" algn="ctr">
+              <a:srgbClr val="000000">
+                <a:alpha val="30000"/>
+              </a:srgbClr>
+            </a:outerShdw>
+          </a:effectLst>
+          <a:scene3d>
+            <a:camera prst="orthographicFront">
+              <a:rot lat="0" lon="0" rev="0"/>
+            </a:camera>
+            <a:lightRig rig="glow" dir="t">
+              <a:rot lat="0" lon="0" rev="4800000"/>
+            </a:lightRig>
+          </a:scene3d>
+          <a:sp3d prstMaterial="matte">
+            <a:bevelT w="127000" h="63500"/>
+          </a:sp3d>
+        </p:spPr>
+        <p:style>
+          <a:lnRef idx="0">
+            <a:scrgbClr r="0" g="0" b="0"/>
+          </a:lnRef>
+          <a:fillRef idx="0">
+            <a:scrgbClr r="0" g="0" b="0"/>
+          </a:fillRef>
+          <a:effectRef idx="0">
+            <a:scrgbClr r="0" g="0" b="0"/>
+          </a:effectRef>
+          <a:fontRef idx="minor">
+            <a:schemeClr val="lt1"/>
+          </a:fontRef>
+        </p:style>
+        <p:txBody>
+          <a:bodyPr wrap="square" rtlCol="0">
+            <a:spAutoFit/>
+          </a:bodyPr>
+          <a:lstStyle/>
+          <a:p>
+            <a:pPr algn="ctr"/>
+            <a:r>
+              <a:rPr lang="en-US" sz="4800" dirty="0">
+                <a:ln w="0"/>
+                <a:solidFill>
+                  <a:schemeClr val="bg1"/>
+                </a:solidFill>
+                <a:effectLst>
+                  <a:outerShdw blurRad="38100" dist="19050" dir="2700000" algn="tl" rotWithShape="0">
+                    <a:schemeClr val="dk1">
+                      <a:alpha val="40000"/>
+                    </a:schemeClr>
+                  </a:outerShdw>
+                </a:effectLst>
+              </a:rPr>
+              <a:t>Future Work</a:t>
+            </a:r>
+          </a:p>
+        </p:txBody>
+      </p:sp>
+      <p:sp>
+        <p:nvSpPr>
+          <p:cNvPr id="31" name="TextBox 30">
+            <a:extLst>
+              <a:ext uri="{FF2B5EF4-FFF2-40B4-BE49-F238E27FC236}">
+                <a16:creationId xmlns:a16="http://schemas.microsoft.com/office/drawing/2014/main" id="{3600BE54-F564-436D-A825-904B2F67F585}"/>
+              </a:ext>
+            </a:extLst>
+          </p:cNvPr>
+          <p:cNvSpPr txBox="1"/>
+          <p:nvPr/>
+        </p:nvSpPr>
+        <p:spPr>
+          <a:xfrm>
+            <a:off x="1268133" y="19930381"/>
+            <a:ext cx="11787465" cy="830997"/>
+          </a:xfrm>
+          <a:prstGeom prst="rect">
+            <a:avLst/>
+          </a:prstGeom>
+          <a:solidFill>
+            <a:srgbClr val="800000"/>
+          </a:solidFill>
+          <a:ln>
+            <a:noFill/>
+          </a:ln>
+          <a:effectLst>
+            <a:outerShdw blurRad="190500" dist="228600" dir="2700000" algn="ctr">
+              <a:srgbClr val="000000">
+                <a:alpha val="30000"/>
+              </a:srgbClr>
+            </a:outerShdw>
+          </a:effectLst>
+          <a:scene3d>
+            <a:camera prst="orthographicFront">
+              <a:rot lat="0" lon="0" rev="0"/>
+            </a:camera>
+            <a:lightRig rig="glow" dir="t">
+              <a:rot lat="0" lon="0" rev="4800000"/>
+            </a:lightRig>
+          </a:scene3d>
+          <a:sp3d prstMaterial="matte">
+            <a:bevelT w="127000" h="63500"/>
+          </a:sp3d>
+        </p:spPr>
+        <p:style>
+          <a:lnRef idx="0">
+            <a:scrgbClr r="0" g="0" b="0"/>
+          </a:lnRef>
+          <a:fillRef idx="0">
+            <a:scrgbClr r="0" g="0" b="0"/>
+          </a:fillRef>
+          <a:effectRef idx="0">
+            <a:scrgbClr r="0" g="0" b="0"/>
+          </a:effectRef>
+          <a:fontRef idx="minor">
+            <a:schemeClr val="lt1"/>
+          </a:fontRef>
+        </p:style>
+        <p:txBody>
+          <a:bodyPr wrap="square" rtlCol="0">
+            <a:spAutoFit/>
+          </a:bodyPr>
+          <a:lstStyle/>
+          <a:p>
+            <a:pPr algn="ctr"/>
+            <a:r>
+              <a:rPr lang="en-US" sz="4800" dirty="0">
+                <a:ln w="0"/>
+                <a:solidFill>
+                  <a:schemeClr val="bg1"/>
+                </a:solidFill>
+                <a:effectLst>
+                  <a:outerShdw blurRad="38100" dist="19050" dir="2700000" algn="tl" rotWithShape="0">
+                    <a:schemeClr val="dk1">
+                      <a:alpha val="40000"/>
+                    </a:schemeClr>
+                  </a:outerShdw>
+                </a:effectLst>
+              </a:rPr>
+              <a:t>Forced Discrete Logistic Equation</a:t>
+            </a:r>
+          </a:p>
+        </p:txBody>
+      </p:sp>
+      <p:sp>
+        <p:nvSpPr>
+          <p:cNvPr id="32" name="TextBox 31">
+            <a:extLst>
+              <a:ext uri="{FF2B5EF4-FFF2-40B4-BE49-F238E27FC236}">
+                <a16:creationId xmlns:a16="http://schemas.microsoft.com/office/drawing/2014/main" id="{ECDA1964-D905-4882-844A-E9A53C65FE71}"/>
+              </a:ext>
+            </a:extLst>
+          </p:cNvPr>
+          <p:cNvSpPr txBox="1"/>
+          <p:nvPr/>
+        </p:nvSpPr>
+        <p:spPr>
+          <a:xfrm>
+            <a:off x="1268133" y="24310043"/>
+            <a:ext cx="11787465" cy="830997"/>
+          </a:xfrm>
+          <a:prstGeom prst="rect">
+            <a:avLst/>
+          </a:prstGeom>
+          <a:solidFill>
+            <a:srgbClr val="800000"/>
+          </a:solidFill>
+          <a:ln>
+            <a:noFill/>
+          </a:ln>
+          <a:effectLst>
+            <a:outerShdw blurRad="190500" dist="228600" dir="2700000" algn="ctr">
+              <a:srgbClr val="000000">
+                <a:alpha val="30000"/>
+              </a:srgbClr>
+            </a:outerShdw>
+          </a:effectLst>
+          <a:scene3d>
+            <a:camera prst="orthographicFront">
+              <a:rot lat="0" lon="0" rev="0"/>
+            </a:camera>
+            <a:lightRig rig="glow" dir="t">
+              <a:rot lat="0" lon="0" rev="4800000"/>
+            </a:lightRig>
+          </a:scene3d>
+          <a:sp3d prstMaterial="matte">
+            <a:bevelT w="127000" h="63500"/>
+          </a:sp3d>
+        </p:spPr>
+        <p:style>
+          <a:lnRef idx="0">
+            <a:scrgbClr r="0" g="0" b="0"/>
+          </a:lnRef>
+          <a:fillRef idx="0">
+            <a:scrgbClr r="0" g="0" b="0"/>
+          </a:fillRef>
+          <a:effectRef idx="0">
+            <a:scrgbClr r="0" g="0" b="0"/>
+          </a:effectRef>
+          <a:fontRef idx="minor">
+            <a:schemeClr val="lt1"/>
+          </a:fontRef>
+        </p:style>
+        <p:txBody>
+          <a:bodyPr wrap="square" rtlCol="0">
+            <a:spAutoFit/>
+          </a:bodyPr>
+          <a:lstStyle/>
+          <a:p>
+            <a:pPr algn="ctr"/>
+            <a:r>
+              <a:rPr lang="en-US" sz="4800" dirty="0">
+                <a:ln w="0"/>
+                <a:solidFill>
+                  <a:schemeClr val="bg1"/>
+                </a:solidFill>
+                <a:effectLst>
+                  <a:outerShdw blurRad="38100" dist="19050" dir="2700000" algn="tl" rotWithShape="0">
+                    <a:schemeClr val="dk1">
+                      <a:alpha val="40000"/>
+                    </a:schemeClr>
+                  </a:outerShdw>
+                </a:effectLst>
+              </a:rPr>
+              <a:t>The Lyapunov Exponent and Iteration</a:t>
+            </a:r>
+          </a:p>
+        </p:txBody>
+      </p:sp>
+      <p:sp>
+        <p:nvSpPr>
+          <p:cNvPr id="33" name="TextBox 32">
+            <a:extLst>
+              <a:ext uri="{FF2B5EF4-FFF2-40B4-BE49-F238E27FC236}">
+                <a16:creationId xmlns:a16="http://schemas.microsoft.com/office/drawing/2014/main" id="{313F0CE7-553A-4394-814C-198CAB65FCE1}"/>
+              </a:ext>
+            </a:extLst>
+          </p:cNvPr>
+          <p:cNvSpPr txBox="1"/>
+          <p:nvPr/>
+        </p:nvSpPr>
+        <p:spPr>
+          <a:xfrm>
+            <a:off x="1268132" y="5165996"/>
+            <a:ext cx="11787465" cy="830997"/>
+          </a:xfrm>
+          <a:prstGeom prst="rect">
+            <a:avLst/>
+          </a:prstGeom>
+          <a:solidFill>
+            <a:srgbClr val="800000"/>
+          </a:solidFill>
+          <a:ln>
+            <a:noFill/>
+          </a:ln>
+          <a:effectLst>
+            <a:outerShdw blurRad="190500" dist="228600" dir="2700000" algn="ctr">
+              <a:srgbClr val="000000">
+                <a:alpha val="30000"/>
+              </a:srgbClr>
+            </a:outerShdw>
+          </a:effectLst>
+          <a:scene3d>
+            <a:camera prst="orthographicFront">
+              <a:rot lat="0" lon="0" rev="0"/>
+            </a:camera>
+            <a:lightRig rig="glow" dir="t">
+              <a:rot lat="0" lon="0" rev="4800000"/>
+            </a:lightRig>
+          </a:scene3d>
+          <a:sp3d prstMaterial="matte">
+            <a:bevelT w="127000" h="63500"/>
+          </a:sp3d>
+        </p:spPr>
+        <p:style>
+          <a:lnRef idx="0">
+            <a:scrgbClr r="0" g="0" b="0"/>
+          </a:lnRef>
+          <a:fillRef idx="0">
+            <a:scrgbClr r="0" g="0" b="0"/>
+          </a:fillRef>
+          <a:effectRef idx="0">
+            <a:scrgbClr r="0" g="0" b="0"/>
+          </a:effectRef>
+          <a:fontRef idx="minor">
+            <a:schemeClr val="lt1"/>
+          </a:fontRef>
+        </p:style>
+        <p:txBody>
+          <a:bodyPr wrap="square" rtlCol="0">
+            <a:spAutoFit/>
+          </a:bodyPr>
+          <a:lstStyle/>
+          <a:p>
+            <a:pPr algn="ctr"/>
+            <a:r>
+              <a:rPr lang="en-US" sz="4800" dirty="0">
+                <a:ln w="0"/>
+                <a:solidFill>
+                  <a:schemeClr val="bg1"/>
+                </a:solidFill>
+                <a:effectLst>
+                  <a:outerShdw blurRad="38100" dist="19050" dir="2700000" algn="tl" rotWithShape="0">
+                    <a:schemeClr val="dk1">
+                      <a:alpha val="40000"/>
+                    </a:schemeClr>
+                  </a:outerShdw>
+                </a:effectLst>
+              </a:rPr>
+              <a:t>Abstract</a:t>
+            </a:r>
+          </a:p>
+        </p:txBody>
+      </p:sp>
+      <p:sp>
+        <p:nvSpPr>
+          <p:cNvPr id="34" name="TextBox 33">
+            <a:extLst>
+              <a:ext uri="{FF2B5EF4-FFF2-40B4-BE49-F238E27FC236}">
+                <a16:creationId xmlns:a16="http://schemas.microsoft.com/office/drawing/2014/main" id="{98812F46-4824-4322-976F-841DB4CDD5B6}"/>
+              </a:ext>
+            </a:extLst>
+          </p:cNvPr>
+          <p:cNvSpPr txBox="1"/>
+          <p:nvPr/>
+        </p:nvSpPr>
+        <p:spPr>
+          <a:xfrm>
+            <a:off x="13823842" y="5165996"/>
+            <a:ext cx="17625396" cy="830997"/>
+          </a:xfrm>
+          <a:prstGeom prst="rect">
+            <a:avLst/>
+          </a:prstGeom>
+          <a:solidFill>
+            <a:srgbClr val="800000"/>
+          </a:solidFill>
+          <a:ln>
+            <a:noFill/>
+          </a:ln>
+          <a:effectLst>
+            <a:outerShdw blurRad="190500" dist="228600" dir="2700000" algn="ctr">
+              <a:srgbClr val="000000">
+                <a:alpha val="30000"/>
+              </a:srgbClr>
+            </a:outerShdw>
+          </a:effectLst>
+          <a:scene3d>
+            <a:camera prst="orthographicFront">
+              <a:rot lat="0" lon="0" rev="0"/>
+            </a:camera>
+            <a:lightRig rig="glow" dir="t">
+              <a:rot lat="0" lon="0" rev="4800000"/>
+            </a:lightRig>
+          </a:scene3d>
+          <a:sp3d prstMaterial="matte">
+            <a:bevelT w="127000" h="63500"/>
+          </a:sp3d>
+        </p:spPr>
+        <p:style>
+          <a:lnRef idx="0">
+            <a:scrgbClr r="0" g="0" b="0"/>
+          </a:lnRef>
+          <a:fillRef idx="0">
+            <a:scrgbClr r="0" g="0" b="0"/>
+          </a:fillRef>
+          <a:effectRef idx="0">
+            <a:scrgbClr r="0" g="0" b="0"/>
+          </a:effectRef>
+          <a:fontRef idx="minor">
+            <a:schemeClr val="lt1"/>
+          </a:fontRef>
+        </p:style>
+        <p:txBody>
+          <a:bodyPr wrap="square" rtlCol="0">
+            <a:spAutoFit/>
+          </a:bodyPr>
+          <a:lstStyle/>
+          <a:p>
+            <a:pPr algn="ctr"/>
+            <a:r>
+              <a:rPr lang="en-US" sz="4800" dirty="0"/>
+              <a:t>Cobweb Plots and Bifurcation Plots</a:t>
+            </a:r>
+          </a:p>
+        </p:txBody>
+      </p:sp>
+      <p:sp>
+        <p:nvSpPr>
+          <p:cNvPr id="35" name="TextBox 34">
+            <a:extLst>
+              <a:ext uri="{FF2B5EF4-FFF2-40B4-BE49-F238E27FC236}">
+                <a16:creationId xmlns:a16="http://schemas.microsoft.com/office/drawing/2014/main" id="{3C01A17A-28E2-43A1-87B5-B3429FD5E239}"/>
+              </a:ext>
+            </a:extLst>
+          </p:cNvPr>
+          <p:cNvSpPr txBox="1"/>
+          <p:nvPr/>
+        </p:nvSpPr>
+        <p:spPr>
+          <a:xfrm>
+            <a:off x="32205093" y="5165996"/>
+            <a:ext cx="10311123" cy="830997"/>
+          </a:xfrm>
+          <a:prstGeom prst="rect">
+            <a:avLst/>
+          </a:prstGeom>
+          <a:solidFill>
+            <a:srgbClr val="800000"/>
+          </a:solidFill>
+          <a:ln>
+            <a:noFill/>
+          </a:ln>
+          <a:effectLst>
+            <a:outerShdw blurRad="190500" dist="228600" dir="2700000" algn="ctr">
+              <a:srgbClr val="000000">
+                <a:alpha val="30000"/>
+              </a:srgbClr>
+            </a:outerShdw>
+          </a:effectLst>
+          <a:scene3d>
+            <a:camera prst="orthographicFront">
+              <a:rot lat="0" lon="0" rev="0"/>
+            </a:camera>
+            <a:lightRig rig="glow" dir="t">
+              <a:rot lat="0" lon="0" rev="4800000"/>
+            </a:lightRig>
+          </a:scene3d>
+          <a:sp3d prstMaterial="matte">
+            <a:bevelT w="127000" h="63500"/>
+          </a:sp3d>
+        </p:spPr>
+        <p:style>
+          <a:lnRef idx="0">
+            <a:scrgbClr r="0" g="0" b="0"/>
+          </a:lnRef>
+          <a:fillRef idx="0">
+            <a:scrgbClr r="0" g="0" b="0"/>
+          </a:fillRef>
+          <a:effectRef idx="0">
+            <a:scrgbClr r="0" g="0" b="0"/>
+          </a:effectRef>
+          <a:fontRef idx="minor">
+            <a:schemeClr val="lt1"/>
+          </a:fontRef>
+        </p:style>
+        <p:txBody>
+          <a:bodyPr wrap="square" rtlCol="0">
+            <a:spAutoFit/>
+          </a:bodyPr>
+          <a:lstStyle/>
+          <a:p>
+            <a:pPr algn="ctr"/>
+            <a:r>
+              <a:rPr lang="en-US" sz="4800" dirty="0"/>
+              <a:t>Invariants and Approximations</a:t>
+            </a:r>
           </a:p>
         </p:txBody>
       </p:sp>
